--- a/quantityCalculator/數量計算表改善說明.pptx
+++ b/quantityCalculator/數量計算表改善說明.pptx
@@ -7,6 +7,7 @@
   <p:sldIdLst>
     <p:sldId id="256" r:id="rId2"/>
     <p:sldId id="257" r:id="rId3"/>
+    <p:sldId id="258" r:id="rId4"/>
   </p:sldIdLst>
   <p:sldSz cx="12192000" cy="6858000"/>
   <p:notesSz cx="6858000" cy="9144000"/>
@@ -105,6 +106,11 @@
       </a:defRPr>
     </a:lvl9pPr>
   </p:defaultTextStyle>
+  <p:extLst>
+    <p:ext uri="{EFAFB233-063F-42B5-8137-9DF3F51BA10A}">
+      <p15:sldGuideLst xmlns:p15="http://schemas.microsoft.com/office/powerpoint/2012/main"/>
+    </p:ext>
+  </p:extLst>
 </p:presentation>
 </file>
 
@@ -255,7 +261,7 @@
           <a:p>
             <a:fld id="{C9E7E84B-FEF4-4DE2-9764-2BAB19043997}" type="datetimeFigureOut">
               <a:rPr lang="zh-TW" altLang="en-US" smtClean="0"/>
-              <a:t>2023/4/18</a:t>
+              <a:t>2023/4/20</a:t>
             </a:fld>
             <a:endParaRPr lang="zh-TW" altLang="en-US"/>
           </a:p>
@@ -453,7 +459,7 @@
           <a:p>
             <a:fld id="{C9E7E84B-FEF4-4DE2-9764-2BAB19043997}" type="datetimeFigureOut">
               <a:rPr lang="zh-TW" altLang="en-US" smtClean="0"/>
-              <a:t>2023/4/18</a:t>
+              <a:t>2023/4/20</a:t>
             </a:fld>
             <a:endParaRPr lang="zh-TW" altLang="en-US"/>
           </a:p>
@@ -661,7 +667,7 @@
           <a:p>
             <a:fld id="{C9E7E84B-FEF4-4DE2-9764-2BAB19043997}" type="datetimeFigureOut">
               <a:rPr lang="zh-TW" altLang="en-US" smtClean="0"/>
-              <a:t>2023/4/18</a:t>
+              <a:t>2023/4/20</a:t>
             </a:fld>
             <a:endParaRPr lang="zh-TW" altLang="en-US"/>
           </a:p>
@@ -859,7 +865,7 @@
           <a:p>
             <a:fld id="{C9E7E84B-FEF4-4DE2-9764-2BAB19043997}" type="datetimeFigureOut">
               <a:rPr lang="zh-TW" altLang="en-US" smtClean="0"/>
-              <a:t>2023/4/18</a:t>
+              <a:t>2023/4/20</a:t>
             </a:fld>
             <a:endParaRPr lang="zh-TW" altLang="en-US"/>
           </a:p>
@@ -1134,7 +1140,7 @@
           <a:p>
             <a:fld id="{C9E7E84B-FEF4-4DE2-9764-2BAB19043997}" type="datetimeFigureOut">
               <a:rPr lang="zh-TW" altLang="en-US" smtClean="0"/>
-              <a:t>2023/4/18</a:t>
+              <a:t>2023/4/20</a:t>
             </a:fld>
             <a:endParaRPr lang="zh-TW" altLang="en-US"/>
           </a:p>
@@ -1399,7 +1405,7 @@
           <a:p>
             <a:fld id="{C9E7E84B-FEF4-4DE2-9764-2BAB19043997}" type="datetimeFigureOut">
               <a:rPr lang="zh-TW" altLang="en-US" smtClean="0"/>
-              <a:t>2023/4/18</a:t>
+              <a:t>2023/4/20</a:t>
             </a:fld>
             <a:endParaRPr lang="zh-TW" altLang="en-US"/>
           </a:p>
@@ -1811,7 +1817,7 @@
           <a:p>
             <a:fld id="{C9E7E84B-FEF4-4DE2-9764-2BAB19043997}" type="datetimeFigureOut">
               <a:rPr lang="zh-TW" altLang="en-US" smtClean="0"/>
-              <a:t>2023/4/18</a:t>
+              <a:t>2023/4/20</a:t>
             </a:fld>
             <a:endParaRPr lang="zh-TW" altLang="en-US"/>
           </a:p>
@@ -1952,7 +1958,7 @@
           <a:p>
             <a:fld id="{C9E7E84B-FEF4-4DE2-9764-2BAB19043997}" type="datetimeFigureOut">
               <a:rPr lang="zh-TW" altLang="en-US" smtClean="0"/>
-              <a:t>2023/4/18</a:t>
+              <a:t>2023/4/20</a:t>
             </a:fld>
             <a:endParaRPr lang="zh-TW" altLang="en-US"/>
           </a:p>
@@ -2065,7 +2071,7 @@
           <a:p>
             <a:fld id="{C9E7E84B-FEF4-4DE2-9764-2BAB19043997}" type="datetimeFigureOut">
               <a:rPr lang="zh-TW" altLang="en-US" smtClean="0"/>
-              <a:t>2023/4/18</a:t>
+              <a:t>2023/4/20</a:t>
             </a:fld>
             <a:endParaRPr lang="zh-TW" altLang="en-US"/>
           </a:p>
@@ -2376,7 +2382,7 @@
           <a:p>
             <a:fld id="{C9E7E84B-FEF4-4DE2-9764-2BAB19043997}" type="datetimeFigureOut">
               <a:rPr lang="zh-TW" altLang="en-US" smtClean="0"/>
-              <a:t>2023/4/18</a:t>
+              <a:t>2023/4/20</a:t>
             </a:fld>
             <a:endParaRPr lang="zh-TW" altLang="en-US"/>
           </a:p>
@@ -2664,7 +2670,7 @@
           <a:p>
             <a:fld id="{C9E7E84B-FEF4-4DE2-9764-2BAB19043997}" type="datetimeFigureOut">
               <a:rPr lang="zh-TW" altLang="en-US" smtClean="0"/>
-              <a:t>2023/4/18</a:t>
+              <a:t>2023/4/20</a:t>
             </a:fld>
             <a:endParaRPr lang="zh-TW" altLang="en-US"/>
           </a:p>
@@ -2905,7 +2911,7 @@
           <a:p>
             <a:fld id="{C9E7E84B-FEF4-4DE2-9764-2BAB19043997}" type="datetimeFigureOut">
               <a:rPr lang="zh-TW" altLang="en-US" smtClean="0"/>
-              <a:t>2023/4/18</a:t>
+              <a:t>2023/4/20</a:t>
             </a:fld>
             <a:endParaRPr lang="zh-TW" altLang="en-US"/>
           </a:p>
@@ -3324,10 +3330,10 @@
       </p:grpSpPr>
       <p:grpSp>
         <p:nvGrpSpPr>
-          <p:cNvPr id="13" name="群組 12">
-            <a:extLst>
-              <a:ext uri="{FF2B5EF4-FFF2-40B4-BE49-F238E27FC236}">
-                <a16:creationId xmlns:a16="http://schemas.microsoft.com/office/drawing/2014/main" id="{B96629FE-0FC8-1738-6CCF-074E74531B89}"/>
+          <p:cNvPr id="9" name="群組 8">
+            <a:extLst>
+              <a:ext uri="{FF2B5EF4-FFF2-40B4-BE49-F238E27FC236}">
+                <a16:creationId xmlns:a16="http://schemas.microsoft.com/office/drawing/2014/main" id="{87CBAF80-E89C-E5D3-F8B4-AA74DFF51083}"/>
               </a:ext>
             </a:extLst>
           </p:cNvPr>
@@ -3344,10 +3350,10 @@
         </p:grpSpPr>
         <p:grpSp>
           <p:nvGrpSpPr>
-            <p:cNvPr id="10" name="群組 9">
+            <p:cNvPr id="13" name="群組 12">
               <a:extLst>
                 <a:ext uri="{FF2B5EF4-FFF2-40B4-BE49-F238E27FC236}">
-                  <a16:creationId xmlns:a16="http://schemas.microsoft.com/office/drawing/2014/main" id="{91F8D613-8635-68EA-812F-DAA4DCC8513B}"/>
+                  <a16:creationId xmlns:a16="http://schemas.microsoft.com/office/drawing/2014/main" id="{B96629FE-0FC8-1738-6CCF-074E74531B89}"/>
                 </a:ext>
               </a:extLst>
             </p:cNvPr>
@@ -3356,18 +3362,1791 @@
           </p:nvGrpSpPr>
           <p:grpSpPr>
             <a:xfrm>
-              <a:off x="552" y="0"/>
-              <a:ext cx="12191448" cy="6858000"/>
-              <a:chOff x="552" y="0"/>
-              <a:chExt cx="12191448" cy="6858000"/>
+              <a:off x="-1" y="0"/>
+              <a:ext cx="12192001" cy="6858000"/>
+              <a:chOff x="-1" y="0"/>
+              <a:chExt cx="12192001" cy="6858000"/>
+            </a:xfrm>
+          </p:grpSpPr>
+          <p:grpSp>
+            <p:nvGrpSpPr>
+              <p:cNvPr id="10" name="群組 9">
+                <a:extLst>
+                  <a:ext uri="{FF2B5EF4-FFF2-40B4-BE49-F238E27FC236}">
+                    <a16:creationId xmlns:a16="http://schemas.microsoft.com/office/drawing/2014/main" id="{91F8D613-8635-68EA-812F-DAA4DCC8513B}"/>
+                  </a:ext>
+                </a:extLst>
+              </p:cNvPr>
+              <p:cNvGrpSpPr/>
+              <p:nvPr/>
+            </p:nvGrpSpPr>
+            <p:grpSpPr>
+              <a:xfrm>
+                <a:off x="552" y="0"/>
+                <a:ext cx="12191448" cy="6858000"/>
+                <a:chOff x="552" y="0"/>
+                <a:chExt cx="12191448" cy="6858000"/>
+              </a:xfrm>
+            </p:grpSpPr>
+            <p:pic>
+              <p:nvPicPr>
+                <p:cNvPr id="5" name="圖片 4">
+                  <a:extLst>
+                    <a:ext uri="{FF2B5EF4-FFF2-40B4-BE49-F238E27FC236}">
+                      <a16:creationId xmlns:a16="http://schemas.microsoft.com/office/drawing/2014/main" id="{D1A0BA3A-0B26-AF07-A933-4E6B6ED49DAA}"/>
+                    </a:ext>
+                  </a:extLst>
+                </p:cNvPr>
+                <p:cNvPicPr>
+                  <a:picLocks noChangeAspect="1"/>
+                </p:cNvPicPr>
+                <p:nvPr/>
+              </p:nvPicPr>
+              <p:blipFill>
+                <a:blip r:embed="rId2">
+                  <a:extLst>
+                    <a:ext uri="{28A0092B-C50C-407E-A947-70E740481C1C}">
+                      <a14:useLocalDpi xmlns:a14="http://schemas.microsoft.com/office/drawing/2010/main" val="0"/>
+                    </a:ext>
+                  </a:extLst>
+                </a:blip>
+                <a:srcRect/>
+                <a:stretch/>
+              </p:blipFill>
+              <p:spPr>
+                <a:xfrm>
+                  <a:off x="552" y="0"/>
+                  <a:ext cx="7075026" cy="6858000"/>
+                </a:xfrm>
+                <a:prstGeom prst="rect">
+                  <a:avLst/>
+                </a:prstGeom>
+              </p:spPr>
+            </p:pic>
+            <p:sp>
+              <p:nvSpPr>
+                <p:cNvPr id="6" name="矩形 5">
+                  <a:extLst>
+                    <a:ext uri="{FF2B5EF4-FFF2-40B4-BE49-F238E27FC236}">
+                      <a16:creationId xmlns:a16="http://schemas.microsoft.com/office/drawing/2014/main" id="{6688ACA9-B54B-CDD0-86A0-24163FE7F166}"/>
+                    </a:ext>
+                  </a:extLst>
+                </p:cNvPr>
+                <p:cNvSpPr/>
+                <p:nvPr/>
+              </p:nvSpPr>
+              <p:spPr>
+                <a:xfrm>
+                  <a:off x="5103494" y="949911"/>
+                  <a:ext cx="745724" cy="5699464"/>
+                </a:xfrm>
+                <a:prstGeom prst="rect">
+                  <a:avLst/>
+                </a:prstGeom>
+                <a:noFill/>
+                <a:ln w="38100">
+                  <a:solidFill>
+                    <a:srgbClr val="FF0000"/>
+                  </a:solidFill>
+                </a:ln>
+              </p:spPr>
+              <p:style>
+                <a:lnRef idx="2">
+                  <a:schemeClr val="accent1">
+                    <a:shade val="50000"/>
+                  </a:schemeClr>
+                </a:lnRef>
+                <a:fillRef idx="1">
+                  <a:schemeClr val="accent1"/>
+                </a:fillRef>
+                <a:effectRef idx="0">
+                  <a:schemeClr val="accent1"/>
+                </a:effectRef>
+                <a:fontRef idx="minor">
+                  <a:schemeClr val="lt1"/>
+                </a:fontRef>
+              </p:style>
+              <p:txBody>
+                <a:bodyPr rtlCol="0" anchor="ctr"/>
+                <a:lstStyle/>
+                <a:p>
+                  <a:pPr algn="ctr"/>
+                  <a:endParaRPr lang="zh-TW" altLang="en-US"/>
+                </a:p>
+              </p:txBody>
+            </p:sp>
+            <p:sp>
+              <p:nvSpPr>
+                <p:cNvPr id="7" name="文字方塊 6">
+                  <a:extLst>
+                    <a:ext uri="{FF2B5EF4-FFF2-40B4-BE49-F238E27FC236}">
+                      <a16:creationId xmlns:a16="http://schemas.microsoft.com/office/drawing/2014/main" id="{9E5AC3A7-23A4-6C11-956D-646F41070C67}"/>
+                    </a:ext>
+                  </a:extLst>
+                </p:cNvPr>
+                <p:cNvSpPr txBox="1"/>
+                <p:nvPr/>
+              </p:nvSpPr>
+              <p:spPr>
+                <a:xfrm>
+                  <a:off x="7201531" y="1460296"/>
+                  <a:ext cx="4989917" cy="2856167"/>
+                </a:xfrm>
+                <a:prstGeom prst="rect">
+                  <a:avLst/>
+                </a:prstGeom>
+                <a:noFill/>
+              </p:spPr>
+              <p:txBody>
+                <a:bodyPr wrap="square" rtlCol="0">
+                  <a:spAutoFit/>
+                </a:bodyPr>
+                <a:lstStyle/>
+                <a:p>
+                  <a:pPr>
+                    <a:lnSpc>
+                      <a:spcPct val="105000"/>
+                    </a:lnSpc>
+                  </a:pPr>
+                  <a:r>
+                    <a:rPr lang="zh-TW" altLang="en-US" sz="1600" b="1" dirty="0">
+                      <a:latin typeface="微軟正黑體" panose="020B0604030504040204" pitchFamily="34" charset="-120"/>
+                      <a:ea typeface="微軟正黑體" panose="020B0604030504040204" pitchFamily="34" charset="-120"/>
+                    </a:rPr>
+                    <a:t>基本說明</a:t>
+                  </a:r>
+                  <a:endParaRPr lang="en-US" altLang="zh-TW" sz="1600" b="1" dirty="0">
+                    <a:latin typeface="微軟正黑體" panose="020B0604030504040204" pitchFamily="34" charset="-120"/>
+                    <a:ea typeface="微軟正黑體" panose="020B0604030504040204" pitchFamily="34" charset="-120"/>
+                  </a:endParaRPr>
+                </a:p>
+                <a:p>
+                  <a:pPr marL="342900" indent="-342900">
+                    <a:lnSpc>
+                      <a:spcPct val="105000"/>
+                    </a:lnSpc>
+                    <a:buFont typeface="+mj-lt"/>
+                    <a:buAutoNum type="alphaLcParenR"/>
+                  </a:pPr>
+                  <a:r>
+                    <a:rPr lang="zh-TW" altLang="en-US" sz="1400" b="1" dirty="0">
+                      <a:solidFill>
+                        <a:srgbClr val="FF0000"/>
+                      </a:solidFill>
+                      <a:latin typeface="微軟正黑體" panose="020B0604030504040204" pitchFamily="34" charset="-120"/>
+                      <a:ea typeface="微軟正黑體" panose="020B0604030504040204" pitchFamily="34" charset="-120"/>
+                    </a:rPr>
+                    <a:t>小計</a:t>
+                  </a:r>
+                  <a:r>
+                    <a:rPr lang="zh-TW" altLang="en-US" sz="1400" dirty="0">
+                      <a:latin typeface="微軟正黑體" panose="020B0604030504040204" pitchFamily="34" charset="-120"/>
+                      <a:ea typeface="微軟正黑體" panose="020B0604030504040204" pitchFamily="34" charset="-120"/>
+                    </a:rPr>
+                    <a:t>欄位會吃</a:t>
+                  </a:r>
+                  <a:r>
+                    <a:rPr lang="zh-TW" altLang="en-US" sz="1400" b="1" dirty="0">
+                      <a:solidFill>
+                        <a:srgbClr val="FF0000"/>
+                      </a:solidFill>
+                      <a:latin typeface="微軟正黑體" panose="020B0604030504040204" pitchFamily="34" charset="-120"/>
+                      <a:ea typeface="微軟正黑體" panose="020B0604030504040204" pitchFamily="34" charset="-120"/>
+                    </a:rPr>
+                    <a:t>說明</a:t>
+                  </a:r>
+                  <a:r>
+                    <a:rPr lang="zh-TW" altLang="en-US" sz="1400" dirty="0">
+                      <a:latin typeface="微軟正黑體" panose="020B0604030504040204" pitchFamily="34" charset="-120"/>
+                      <a:ea typeface="微軟正黑體" panose="020B0604030504040204" pitchFamily="34" charset="-120"/>
+                    </a:rPr>
+                    <a:t>欄位的內容</a:t>
+                  </a:r>
+                  <a:br>
+                    <a:rPr lang="en-US" altLang="zh-TW" sz="1400" dirty="0">
+                      <a:latin typeface="微軟正黑體" panose="020B0604030504040204" pitchFamily="34" charset="-120"/>
+                      <a:ea typeface="微軟正黑體" panose="020B0604030504040204" pitchFamily="34" charset="-120"/>
+                    </a:rPr>
+                  </a:br>
+                  <a:r>
+                    <a:rPr lang="zh-TW" altLang="en-US" sz="1400" dirty="0">
+                      <a:latin typeface="微軟正黑體" panose="020B0604030504040204" pitchFamily="34" charset="-120"/>
+                      <a:ea typeface="微軟正黑體" panose="020B0604030504040204" pitchFamily="34" charset="-120"/>
+                    </a:rPr>
+                    <a:t>如果是數值、計算式，皆可直接求出結果</a:t>
+                  </a:r>
+                  <a:br>
+                    <a:rPr lang="en-US" altLang="zh-TW" sz="1400" dirty="0">
+                      <a:latin typeface="微軟正黑體" panose="020B0604030504040204" pitchFamily="34" charset="-120"/>
+                      <a:ea typeface="微軟正黑體" panose="020B0604030504040204" pitchFamily="34" charset="-120"/>
+                    </a:rPr>
+                  </a:br>
+                  <a:r>
+                    <a:rPr lang="zh-TW" altLang="en-US" sz="1400" dirty="0">
+                      <a:latin typeface="微軟正黑體" panose="020B0604030504040204" pitchFamily="34" charset="-120"/>
+                      <a:ea typeface="微軟正黑體" panose="020B0604030504040204" pitchFamily="34" charset="-120"/>
+                    </a:rPr>
+                    <a:t>若為文字，如</a:t>
+                  </a:r>
+                  <a:r>
+                    <a:rPr lang="zh-TW" altLang="en-US" sz="1400" u="sng" dirty="0">
+                      <a:latin typeface="微軟正黑體" panose="020B0604030504040204" pitchFamily="34" charset="-120"/>
+                      <a:ea typeface="微軟正黑體" panose="020B0604030504040204" pitchFamily="34" charset="-120"/>
+                    </a:rPr>
+                    <a:t>每座</a:t>
+                  </a:r>
+                  <a:r>
+                    <a:rPr lang="en-US" altLang="zh-TW" sz="1400" u="sng" dirty="0">
+                      <a:latin typeface="微軟正黑體" panose="020B0604030504040204" pitchFamily="34" charset="-120"/>
+                      <a:ea typeface="微軟正黑體" panose="020B0604030504040204" pitchFamily="34" charset="-120"/>
+                    </a:rPr>
+                    <a:t>5</a:t>
+                  </a:r>
+                  <a:r>
+                    <a:rPr lang="zh-TW" altLang="en-US" sz="1400" u="sng" dirty="0">
+                      <a:latin typeface="微軟正黑體" panose="020B0604030504040204" pitchFamily="34" charset="-120"/>
+                      <a:ea typeface="微軟正黑體" panose="020B0604030504040204" pitchFamily="34" charset="-120"/>
+                    </a:rPr>
+                    <a:t>個</a:t>
+                  </a:r>
+                  <a:r>
+                    <a:rPr lang="zh-TW" altLang="en-US" sz="1400" dirty="0">
+                      <a:latin typeface="微軟正黑體" panose="020B0604030504040204" pitchFamily="34" charset="-120"/>
+                      <a:ea typeface="微軟正黑體" panose="020B0604030504040204" pitchFamily="34" charset="-120"/>
+                    </a:rPr>
+                    <a:t>，則透過手動小計獲得結果</a:t>
+                  </a:r>
+                  <a:endParaRPr lang="en-US" altLang="zh-TW" sz="1400" dirty="0">
+                    <a:latin typeface="微軟正黑體" panose="020B0604030504040204" pitchFamily="34" charset="-120"/>
+                    <a:ea typeface="微軟正黑體" panose="020B0604030504040204" pitchFamily="34" charset="-120"/>
+                  </a:endParaRPr>
+                </a:p>
+                <a:p>
+                  <a:pPr marL="342900" indent="-342900">
+                    <a:lnSpc>
+                      <a:spcPct val="105000"/>
+                    </a:lnSpc>
+                    <a:buFont typeface="+mj-lt"/>
+                    <a:buAutoNum type="alphaLcParenR"/>
+                  </a:pPr>
+                  <a:r>
+                    <a:rPr lang="zh-TW" altLang="en-US" sz="1400" b="1" dirty="0">
+                      <a:solidFill>
+                        <a:srgbClr val="FF0000"/>
+                      </a:solidFill>
+                      <a:latin typeface="微軟正黑體" panose="020B0604030504040204" pitchFamily="34" charset="-120"/>
+                      <a:ea typeface="微軟正黑體" panose="020B0604030504040204" pitchFamily="34" charset="-120"/>
+                    </a:rPr>
+                    <a:t>單位</a:t>
+                  </a:r>
+                  <a:r>
+                    <a:rPr lang="zh-TW" altLang="en-US" sz="1400" dirty="0">
+                      <a:latin typeface="微軟正黑體" panose="020B0604030504040204" pitchFamily="34" charset="-120"/>
+                      <a:ea typeface="微軟正黑體" panose="020B0604030504040204" pitchFamily="34" charset="-120"/>
+                    </a:rPr>
+                    <a:t>欄位將用於工程數量統計表的單位填入，</a:t>
+                  </a:r>
+                  <a:r>
+                    <a:rPr lang="zh-TW" altLang="en-US" sz="1400" dirty="0">
+                      <a:solidFill>
+                        <a:srgbClr val="FF0000"/>
+                      </a:solidFill>
+                      <a:latin typeface="微軟正黑體" panose="020B0604030504040204" pitchFamily="34" charset="-120"/>
+                      <a:ea typeface="微軟正黑體" panose="020B0604030504040204" pitchFamily="34" charset="-120"/>
+                    </a:rPr>
+                    <a:t>元件與材料都能填入單位</a:t>
+                  </a:r>
+                  <a:endParaRPr lang="en-US" altLang="zh-TW" sz="1400" dirty="0">
+                    <a:solidFill>
+                      <a:srgbClr val="FF0000"/>
+                    </a:solidFill>
+                    <a:latin typeface="微軟正黑體" panose="020B0604030504040204" pitchFamily="34" charset="-120"/>
+                    <a:ea typeface="微軟正黑體" panose="020B0604030504040204" pitchFamily="34" charset="-120"/>
+                  </a:endParaRPr>
+                </a:p>
+                <a:p>
+                  <a:pPr marL="285750" indent="-285750">
+                    <a:lnSpc>
+                      <a:spcPct val="105000"/>
+                    </a:lnSpc>
+                    <a:buFont typeface="Arial" panose="020B0604020202020204" pitchFamily="34" charset="0"/>
+                    <a:buChar char="•"/>
+                  </a:pPr>
+                  <a:endParaRPr lang="en-US" altLang="zh-TW" sz="1400" b="1" dirty="0">
+                    <a:solidFill>
+                      <a:srgbClr val="FF0000"/>
+                    </a:solidFill>
+                    <a:latin typeface="微軟正黑體" panose="020B0604030504040204" pitchFamily="34" charset="-120"/>
+                    <a:ea typeface="微軟正黑體" panose="020B0604030504040204" pitchFamily="34" charset="-120"/>
+                  </a:endParaRPr>
+                </a:p>
+                <a:p>
+                  <a:pPr>
+                    <a:lnSpc>
+                      <a:spcPct val="105000"/>
+                    </a:lnSpc>
+                  </a:pPr>
+                  <a:r>
+                    <a:rPr lang="zh-TW" altLang="en-US" sz="1600" b="1" dirty="0">
+                      <a:latin typeface="微軟正黑體" panose="020B0604030504040204" pitchFamily="34" charset="-120"/>
+                      <a:ea typeface="微軟正黑體" panose="020B0604030504040204" pitchFamily="34" charset="-120"/>
+                    </a:rPr>
+                    <a:t>原則</a:t>
+                  </a:r>
+                  <a:endParaRPr lang="en-US" altLang="zh-TW" sz="1600" b="1" dirty="0">
+                    <a:latin typeface="微軟正黑體" panose="020B0604030504040204" pitchFamily="34" charset="-120"/>
+                    <a:ea typeface="微軟正黑體" panose="020B0604030504040204" pitchFamily="34" charset="-120"/>
+                  </a:endParaRPr>
+                </a:p>
+                <a:p>
+                  <a:pPr marL="285750" indent="-285750">
+                    <a:lnSpc>
+                      <a:spcPct val="105000"/>
+                    </a:lnSpc>
+                    <a:buFont typeface="Arial" panose="020B0604020202020204" pitchFamily="34" charset="0"/>
+                    <a:buChar char="•"/>
+                  </a:pPr>
+                  <a:r>
+                    <a:rPr lang="zh-TW" altLang="en-US" sz="1400" b="1" dirty="0">
+                      <a:solidFill>
+                        <a:srgbClr val="FF0000"/>
+                      </a:solidFill>
+                      <a:latin typeface="微軟正黑體" panose="020B0604030504040204" pitchFamily="34" charset="-120"/>
+                      <a:ea typeface="微軟正黑體" panose="020B0604030504040204" pitchFamily="34" charset="-120"/>
+                    </a:rPr>
+                    <a:t>工程項次</a:t>
+                  </a:r>
+                  <a:r>
+                    <a:rPr lang="zh-TW" altLang="en-US" sz="1400" dirty="0">
+                      <a:latin typeface="微軟正黑體" panose="020B0604030504040204" pitchFamily="34" charset="-120"/>
+                      <a:ea typeface="微軟正黑體" panose="020B0604030504040204" pitchFamily="34" charset="-120"/>
+                    </a:rPr>
+                    <a:t>必須為中文，如一、二、三</a:t>
+                  </a:r>
+                  <a:br>
+                    <a:rPr lang="en-US" altLang="zh-TW" sz="1400" dirty="0">
+                      <a:latin typeface="微軟正黑體" panose="020B0604030504040204" pitchFamily="34" charset="-120"/>
+                      <a:ea typeface="微軟正黑體" panose="020B0604030504040204" pitchFamily="34" charset="-120"/>
+                    </a:rPr>
+                  </a:br>
+                  <a:r>
+                    <a:rPr lang="zh-TW" altLang="en-US" sz="1400" dirty="0">
+                      <a:latin typeface="微軟正黑體" panose="020B0604030504040204" pitchFamily="34" charset="-120"/>
+                      <a:ea typeface="微軟正黑體" panose="020B0604030504040204" pitchFamily="34" charset="-120"/>
+                    </a:rPr>
+                    <a:t>用來分析指定工程使用的元件與材料</a:t>
+                  </a:r>
+                  <a:endParaRPr lang="en-US" altLang="zh-TW" sz="1400" dirty="0">
+                    <a:latin typeface="微軟正黑體" panose="020B0604030504040204" pitchFamily="34" charset="-120"/>
+                    <a:ea typeface="微軟正黑體" panose="020B0604030504040204" pitchFamily="34" charset="-120"/>
+                  </a:endParaRPr>
+                </a:p>
+                <a:p>
+                  <a:pPr marL="285750" indent="-285750">
+                    <a:lnSpc>
+                      <a:spcPct val="105000"/>
+                    </a:lnSpc>
+                    <a:buFont typeface="Arial" panose="020B0604020202020204" pitchFamily="34" charset="0"/>
+                    <a:buChar char="•"/>
+                  </a:pPr>
+                  <a:r>
+                    <a:rPr lang="zh-TW" altLang="en-US" sz="1400" b="1" dirty="0">
+                      <a:solidFill>
+                        <a:srgbClr val="FF0000"/>
+                      </a:solidFill>
+                      <a:latin typeface="微軟正黑體" panose="020B0604030504040204" pitchFamily="34" charset="-120"/>
+                      <a:ea typeface="微軟正黑體" panose="020B0604030504040204" pitchFamily="34" charset="-120"/>
+                    </a:rPr>
+                    <a:t>元件需填入底色</a:t>
+                  </a:r>
+                  <a:r>
+                    <a:rPr lang="zh-TW" altLang="en-US" sz="1400" dirty="0">
+                      <a:latin typeface="微軟正黑體" panose="020B0604030504040204" pitchFamily="34" charset="-120"/>
+                      <a:ea typeface="微軟正黑體" panose="020B0604030504040204" pitchFamily="34" charset="-120"/>
+                    </a:rPr>
+                    <a:t>，與材料做區分</a:t>
+                  </a:r>
+                  <a:endParaRPr lang="en-US" altLang="zh-TW" sz="1400" dirty="0">
+                    <a:latin typeface="微軟正黑體" panose="020B0604030504040204" pitchFamily="34" charset="-120"/>
+                    <a:ea typeface="微軟正黑體" panose="020B0604030504040204" pitchFamily="34" charset="-120"/>
+                  </a:endParaRPr>
+                </a:p>
+                <a:p>
+                  <a:pPr marL="285750" indent="-285750">
+                    <a:lnSpc>
+                      <a:spcPct val="105000"/>
+                    </a:lnSpc>
+                    <a:buFont typeface="Arial" panose="020B0604020202020204" pitchFamily="34" charset="0"/>
+                    <a:buChar char="•"/>
+                  </a:pPr>
+                  <a:r>
+                    <a:rPr lang="zh-TW" altLang="en-US" sz="1400" dirty="0">
+                      <a:latin typeface="微軟正黑體" panose="020B0604030504040204" pitchFamily="34" charset="-120"/>
+                      <a:ea typeface="微軟正黑體" panose="020B0604030504040204" pitchFamily="34" charset="-120"/>
+                    </a:rPr>
+                    <a:t>元件與</a:t>
+                  </a:r>
+                  <a:r>
+                    <a:rPr lang="zh-TW" altLang="en-US" sz="1400" b="1" dirty="0">
+                      <a:solidFill>
+                        <a:srgbClr val="FF0000"/>
+                      </a:solidFill>
+                      <a:latin typeface="微軟正黑體" panose="020B0604030504040204" pitchFamily="34" charset="-120"/>
+                      <a:ea typeface="微軟正黑體" panose="020B0604030504040204" pitchFamily="34" charset="-120"/>
+                    </a:rPr>
+                    <a:t>元件之間以空白列</a:t>
+                  </a:r>
+                  <a:r>
+                    <a:rPr lang="zh-TW" altLang="en-US" sz="1400" dirty="0">
+                      <a:latin typeface="微軟正黑體" panose="020B0604030504040204" pitchFamily="34" charset="-120"/>
+                      <a:ea typeface="微軟正黑體" panose="020B0604030504040204" pitchFamily="34" charset="-120"/>
+                    </a:rPr>
+                    <a:t>隔開</a:t>
+                  </a:r>
+                </a:p>
+              </p:txBody>
+            </p:sp>
+            <p:sp>
+              <p:nvSpPr>
+                <p:cNvPr id="12" name="文字方塊 11">
+                  <a:extLst>
+                    <a:ext uri="{FF2B5EF4-FFF2-40B4-BE49-F238E27FC236}">
+                      <a16:creationId xmlns:a16="http://schemas.microsoft.com/office/drawing/2014/main" id="{A658A222-6B52-C144-C1D0-9D306814B2CB}"/>
+                    </a:ext>
+                  </a:extLst>
+                </p:cNvPr>
+                <p:cNvSpPr txBox="1"/>
+                <p:nvPr/>
+              </p:nvSpPr>
+              <p:spPr>
+                <a:xfrm>
+                  <a:off x="7230385" y="5340627"/>
+                  <a:ext cx="4961615" cy="1466555"/>
+                </a:xfrm>
+                <a:prstGeom prst="rect">
+                  <a:avLst/>
+                </a:prstGeom>
+                <a:noFill/>
+              </p:spPr>
+              <p:txBody>
+                <a:bodyPr wrap="none" rtlCol="0">
+                  <a:spAutoFit/>
+                </a:bodyPr>
+                <a:lstStyle/>
+                <a:p>
+                  <a:pPr>
+                    <a:lnSpc>
+                      <a:spcPct val="105000"/>
+                    </a:lnSpc>
+                  </a:pPr>
+                  <a:r>
+                    <a:rPr lang="zh-TW" altLang="en-US" sz="1600" b="1" dirty="0">
+                      <a:latin typeface="微軟正黑體" panose="020B0604030504040204" pitchFamily="34" charset="-120"/>
+                      <a:ea typeface="微軟正黑體" panose="020B0604030504040204" pitchFamily="34" charset="-120"/>
+                    </a:rPr>
+                    <a:t>使用</a:t>
+                  </a:r>
+                  <a:endParaRPr lang="en-US" altLang="zh-TW" sz="1600" b="1" dirty="0">
+                    <a:latin typeface="微軟正黑體" panose="020B0604030504040204" pitchFamily="34" charset="-120"/>
+                    <a:ea typeface="微軟正黑體" panose="020B0604030504040204" pitchFamily="34" charset="-120"/>
+                  </a:endParaRPr>
+                </a:p>
+                <a:p>
+                  <a:pPr marL="285750" indent="-285750">
+                    <a:lnSpc>
+                      <a:spcPct val="105000"/>
+                    </a:lnSpc>
+                    <a:buFont typeface="Arial" panose="020B0604020202020204" pitchFamily="34" charset="0"/>
+                    <a:buChar char="•"/>
+                  </a:pPr>
+                  <a:r>
+                    <a:rPr lang="zh-TW" altLang="en-US" sz="1400" b="1" dirty="0">
+                      <a:solidFill>
+                        <a:srgbClr val="FF0000"/>
+                      </a:solidFill>
+                      <a:latin typeface="微軟正黑體" panose="020B0604030504040204" pitchFamily="34" charset="-120"/>
+                      <a:ea typeface="微軟正黑體" panose="020B0604030504040204" pitchFamily="34" charset="-120"/>
+                    </a:rPr>
+                    <a:t>工程編號</a:t>
+                  </a:r>
+                  <a:r>
+                    <a:rPr lang="zh-TW" altLang="en-US" sz="1400" dirty="0">
+                      <a:latin typeface="微軟正黑體" panose="020B0604030504040204" pitchFamily="34" charset="-120"/>
+                      <a:ea typeface="微軟正黑體" panose="020B0604030504040204" pitchFamily="34" charset="-120"/>
+                    </a:rPr>
+                    <a:t>為阿拉伯數字</a:t>
+                  </a:r>
+                  <a:br>
+                    <a:rPr lang="en-US" altLang="zh-TW" sz="1400" dirty="0">
+                      <a:latin typeface="微軟正黑體" panose="020B0604030504040204" pitchFamily="34" charset="-120"/>
+                      <a:ea typeface="微軟正黑體" panose="020B0604030504040204" pitchFamily="34" charset="-120"/>
+                    </a:rPr>
+                  </a:br>
+                  <a:r>
+                    <a:rPr lang="zh-TW" altLang="en-US" sz="1400" dirty="0">
+                      <a:latin typeface="微軟正黑體" panose="020B0604030504040204" pitchFamily="34" charset="-120"/>
+                      <a:ea typeface="微軟正黑體" panose="020B0604030504040204" pitchFamily="34" charset="-120"/>
+                    </a:rPr>
+                    <a:t>例如要處理橋梁工程，橋梁工程項次為</a:t>
+                  </a:r>
+                  <a:r>
+                    <a:rPr lang="en-US" altLang="zh-TW" sz="1400" dirty="0">
+                      <a:latin typeface="微軟正黑體" panose="020B0604030504040204" pitchFamily="34" charset="-120"/>
+                      <a:ea typeface="微軟正黑體" panose="020B0604030504040204" pitchFamily="34" charset="-120"/>
+                    </a:rPr>
+                    <a:t>【</a:t>
+                  </a:r>
+                  <a:r>
+                    <a:rPr lang="zh-TW" altLang="en-US" sz="1400" dirty="0">
+                      <a:latin typeface="微軟正黑體" panose="020B0604030504040204" pitchFamily="34" charset="-120"/>
+                      <a:ea typeface="微軟正黑體" panose="020B0604030504040204" pitchFamily="34" charset="-120"/>
+                    </a:rPr>
+                    <a:t>一</a:t>
+                  </a:r>
+                  <a:r>
+                    <a:rPr lang="en-US" altLang="zh-TW" sz="1400" dirty="0">
+                      <a:latin typeface="微軟正黑體" panose="020B0604030504040204" pitchFamily="34" charset="-120"/>
+                      <a:ea typeface="微軟正黑體" panose="020B0604030504040204" pitchFamily="34" charset="-120"/>
+                    </a:rPr>
+                    <a:t>】</a:t>
+                  </a:r>
+                  <a:r>
+                    <a:rPr lang="zh-TW" altLang="en-US" sz="1400" dirty="0">
+                      <a:latin typeface="微軟正黑體" panose="020B0604030504040204" pitchFamily="34" charset="-120"/>
+                      <a:ea typeface="微軟正黑體" panose="020B0604030504040204" pitchFamily="34" charset="-120"/>
+                    </a:rPr>
+                    <a:t>，故填 </a:t>
+                  </a:r>
+                  <a:r>
+                    <a:rPr lang="en-US" altLang="zh-TW" sz="1400" b="1" u="sng" dirty="0">
+                      <a:latin typeface="微軟正黑體" panose="020B0604030504040204" pitchFamily="34" charset="-120"/>
+                      <a:ea typeface="微軟正黑體" panose="020B0604030504040204" pitchFamily="34" charset="-120"/>
+                    </a:rPr>
+                    <a:t>1</a:t>
+                  </a:r>
+                </a:p>
+                <a:p>
+                  <a:pPr marL="285750" indent="-285750">
+                    <a:lnSpc>
+                      <a:spcPct val="105000"/>
+                    </a:lnSpc>
+                    <a:buFont typeface="Arial" panose="020B0604020202020204" pitchFamily="34" charset="0"/>
+                    <a:buChar char="•"/>
+                  </a:pPr>
+                  <a:r>
+                    <a:rPr lang="zh-TW" altLang="en-US" sz="1400" b="1" dirty="0">
+                      <a:solidFill>
+                        <a:srgbClr val="FF0000"/>
+                      </a:solidFill>
+                      <a:latin typeface="微軟正黑體" panose="020B0604030504040204" pitchFamily="34" charset="-120"/>
+                      <a:ea typeface="微軟正黑體" panose="020B0604030504040204" pitchFamily="34" charset="-120"/>
+                    </a:rPr>
+                    <a:t>目標工程數量統計表中的元件、材料需與工程項次一致</a:t>
+                  </a:r>
+                  <a:br>
+                    <a:rPr lang="en-US" altLang="zh-TW" sz="1400" b="1" dirty="0">
+                      <a:solidFill>
+                        <a:srgbClr val="FF0000"/>
+                      </a:solidFill>
+                      <a:latin typeface="微軟正黑體" panose="020B0604030504040204" pitchFamily="34" charset="-120"/>
+                      <a:ea typeface="微軟正黑體" panose="020B0604030504040204" pitchFamily="34" charset="-120"/>
+                    </a:rPr>
+                  </a:br>
+                  <a:r>
+                    <a:rPr lang="zh-TW" altLang="en-US" sz="1400" dirty="0">
+                      <a:latin typeface="微軟正黑體" panose="020B0604030504040204" pitchFamily="34" charset="-120"/>
+                      <a:ea typeface="微軟正黑體" panose="020B0604030504040204" pitchFamily="34" charset="-120"/>
+                    </a:rPr>
+                    <a:t>例如橋梁工程統計表的元件、材料，都必須屬於橋梁工程</a:t>
+                  </a:r>
+                  <a:endParaRPr lang="en-US" altLang="zh-TW" sz="1400" dirty="0">
+                    <a:latin typeface="微軟正黑體" panose="020B0604030504040204" pitchFamily="34" charset="-120"/>
+                    <a:ea typeface="微軟正黑體" panose="020B0604030504040204" pitchFamily="34" charset="-120"/>
+                  </a:endParaRPr>
+                </a:p>
+                <a:p>
+                  <a:pPr>
+                    <a:lnSpc>
+                      <a:spcPct val="105000"/>
+                    </a:lnSpc>
+                  </a:pPr>
+                  <a:endParaRPr lang="zh-TW" altLang="en-US" sz="1400" dirty="0">
+                    <a:latin typeface="微軟正黑體" panose="020B0604030504040204" pitchFamily="34" charset="-120"/>
+                    <a:ea typeface="微軟正黑體" panose="020B0604030504040204" pitchFamily="34" charset="-120"/>
+                  </a:endParaRPr>
+                </a:p>
+              </p:txBody>
+            </p:sp>
+          </p:grpSp>
+          <p:pic>
+            <p:nvPicPr>
+              <p:cNvPr id="11" name="圖片 10">
+                <a:extLst>
+                  <a:ext uri="{FF2B5EF4-FFF2-40B4-BE49-F238E27FC236}">
+                    <a16:creationId xmlns:a16="http://schemas.microsoft.com/office/drawing/2014/main" id="{2C1538A4-960D-20C2-4C8F-852C125C0279}"/>
+                  </a:ext>
+                </a:extLst>
+              </p:cNvPr>
+              <p:cNvPicPr>
+                <a:picLocks noChangeAspect="1"/>
+              </p:cNvPicPr>
+              <p:nvPr/>
+            </p:nvPicPr>
+            <p:blipFill>
+              <a:blip r:embed="rId3"/>
+              <a:stretch>
+                <a:fillRect/>
+              </a:stretch>
+            </p:blipFill>
+            <p:spPr>
+              <a:xfrm>
+                <a:off x="-1" y="5340627"/>
+                <a:ext cx="7075579" cy="1517373"/>
+              </a:xfrm>
+              <a:prstGeom prst="rect">
+                <a:avLst/>
+              </a:prstGeom>
+              <a:solidFill>
+                <a:srgbClr val="FFFFFF">
+                  <a:shade val="85000"/>
+                </a:srgbClr>
+              </a:solidFill>
+              <a:ln w="9525" cap="sq">
+                <a:solidFill>
+                  <a:schemeClr val="tx1"/>
+                </a:solidFill>
+                <a:miter lim="800000"/>
+              </a:ln>
+              <a:effectLst>
+                <a:outerShdw blurRad="55000" dist="18000" dir="5400000" algn="tl" rotWithShape="0">
+                  <a:srgbClr val="000000">
+                    <a:alpha val="40000"/>
+                  </a:srgbClr>
+                </a:outerShdw>
+              </a:effectLst>
+              <a:scene3d>
+                <a:camera prst="orthographicFront"/>
+                <a:lightRig rig="twoPt" dir="t">
+                  <a:rot lat="0" lon="0" rev="7200000"/>
+                </a:lightRig>
+              </a:scene3d>
+              <a:sp3d>
+                <a:bevelT w="25400" h="19050"/>
+                <a:contourClr>
+                  <a:srgbClr val="FFFFFF"/>
+                </a:contourClr>
+              </a:sp3d>
+            </p:spPr>
+          </p:pic>
+        </p:grpSp>
+        <p:sp>
+          <p:nvSpPr>
+            <p:cNvPr id="2" name="文字方塊 1">
+              <a:extLst>
+                <a:ext uri="{FF2B5EF4-FFF2-40B4-BE49-F238E27FC236}">
+                  <a16:creationId xmlns:a16="http://schemas.microsoft.com/office/drawing/2014/main" id="{54B51175-2F30-1B83-27BD-D4091A8FAE20}"/>
+                </a:ext>
+              </a:extLst>
+            </p:cNvPr>
+            <p:cNvSpPr txBox="1"/>
+            <p:nvPr/>
+          </p:nvSpPr>
+          <p:spPr>
+            <a:xfrm>
+              <a:off x="2194432" y="2810783"/>
+              <a:ext cx="2722224" cy="466987"/>
+            </a:xfrm>
+            <a:prstGeom prst="rect">
+              <a:avLst/>
+            </a:prstGeom>
+            <a:solidFill>
+              <a:schemeClr val="bg2"/>
+            </a:solidFill>
+            <a:ln w="19050">
+              <a:solidFill>
+                <a:srgbClr val="FF0000"/>
+              </a:solidFill>
+            </a:ln>
+          </p:spPr>
+          <p:txBody>
+            <a:bodyPr wrap="square" rtlCol="0">
+              <a:spAutoFit/>
+            </a:bodyPr>
+            <a:lstStyle/>
+            <a:p>
+              <a:pPr>
+                <a:lnSpc>
+                  <a:spcPct val="105000"/>
+                </a:lnSpc>
+              </a:pPr>
+              <a:r>
+                <a:rPr lang="zh-TW" altLang="en-US" sz="1200" dirty="0">
+                  <a:latin typeface="微軟正黑體" panose="020B0604030504040204" pitchFamily="34" charset="-120"/>
+                  <a:ea typeface="微軟正黑體" panose="020B0604030504040204" pitchFamily="34" charset="-120"/>
+                </a:rPr>
+                <a:t>小計可以吃計算式，無法順利計算會顯示空白，再自行寫入至手動小計</a:t>
+              </a:r>
+            </a:p>
+          </p:txBody>
+        </p:sp>
+        <p:sp>
+          <p:nvSpPr>
+            <p:cNvPr id="3" name="文字方塊 2">
+              <a:extLst>
+                <a:ext uri="{FF2B5EF4-FFF2-40B4-BE49-F238E27FC236}">
+                  <a16:creationId xmlns:a16="http://schemas.microsoft.com/office/drawing/2014/main" id="{D0F7FCBA-7337-7660-AF5E-8F99081E1579}"/>
+                </a:ext>
+              </a:extLst>
+            </p:cNvPr>
+            <p:cNvSpPr txBox="1"/>
+            <p:nvPr/>
+          </p:nvSpPr>
+          <p:spPr>
+            <a:xfrm>
+              <a:off x="198435" y="3688389"/>
+              <a:ext cx="2589153" cy="258019"/>
+            </a:xfrm>
+            <a:prstGeom prst="rect">
+              <a:avLst/>
+            </a:prstGeom>
+            <a:solidFill>
+              <a:schemeClr val="bg2"/>
+            </a:solidFill>
+            <a:ln w="19050">
+              <a:solidFill>
+                <a:srgbClr val="FF0000"/>
+              </a:solidFill>
+            </a:ln>
+          </p:spPr>
+          <p:txBody>
+            <a:bodyPr wrap="square" rtlCol="0">
+              <a:spAutoFit/>
+            </a:bodyPr>
+            <a:lstStyle/>
+            <a:p>
+              <a:pPr>
+                <a:lnSpc>
+                  <a:spcPct val="105000"/>
+                </a:lnSpc>
+              </a:pPr>
+              <a:r>
+                <a:rPr lang="zh-TW" altLang="en-US" sz="1050" dirty="0">
+                  <a:latin typeface="微軟正黑體" panose="020B0604030504040204" pitchFamily="34" charset="-120"/>
+                  <a:ea typeface="微軟正黑體" panose="020B0604030504040204" pitchFamily="34" charset="-120"/>
+                </a:rPr>
+                <a:t>元件之間以空白列隔開，且元件需上底色</a:t>
+              </a:r>
+            </a:p>
+          </p:txBody>
+        </p:sp>
+        <p:sp>
+          <p:nvSpPr>
+            <p:cNvPr id="4" name="文字方塊 3">
+              <a:extLst>
+                <a:ext uri="{FF2B5EF4-FFF2-40B4-BE49-F238E27FC236}">
+                  <a16:creationId xmlns:a16="http://schemas.microsoft.com/office/drawing/2014/main" id="{5F146BC1-F9CF-85F2-7626-CB003FCFC293}"/>
+                </a:ext>
+              </a:extLst>
+            </p:cNvPr>
+            <p:cNvSpPr txBox="1"/>
+            <p:nvPr/>
+          </p:nvSpPr>
+          <p:spPr>
+            <a:xfrm>
+              <a:off x="671506" y="6300220"/>
+              <a:ext cx="1253678" cy="258019"/>
+            </a:xfrm>
+            <a:prstGeom prst="rect">
+              <a:avLst/>
+            </a:prstGeom>
+            <a:solidFill>
+              <a:schemeClr val="bg2"/>
+            </a:solidFill>
+            <a:ln w="19050">
+              <a:solidFill>
+                <a:srgbClr val="FF0000"/>
+              </a:solidFill>
+            </a:ln>
+          </p:spPr>
+          <p:txBody>
+            <a:bodyPr wrap="square" rtlCol="0">
+              <a:spAutoFit/>
+            </a:bodyPr>
+            <a:lstStyle/>
+            <a:p>
+              <a:pPr>
+                <a:lnSpc>
+                  <a:spcPct val="105000"/>
+                </a:lnSpc>
+              </a:pPr>
+              <a:r>
+                <a:rPr lang="zh-TW" altLang="en-US" sz="1050" dirty="0">
+                  <a:latin typeface="微軟正黑體" panose="020B0604030504040204" pitchFamily="34" charset="-120"/>
+                  <a:ea typeface="微軟正黑體" panose="020B0604030504040204" pitchFamily="34" charset="-120"/>
+                </a:rPr>
+                <a:t>元件表填完後執行</a:t>
+              </a:r>
+            </a:p>
+          </p:txBody>
+        </p:sp>
+        <p:sp>
+          <p:nvSpPr>
+            <p:cNvPr id="8" name="文字方塊 7">
+              <a:extLst>
+                <a:ext uri="{FF2B5EF4-FFF2-40B4-BE49-F238E27FC236}">
+                  <a16:creationId xmlns:a16="http://schemas.microsoft.com/office/drawing/2014/main" id="{2BC98A72-553C-6E90-C80A-D00F4C3EA3E3}"/>
+                </a:ext>
+              </a:extLst>
+            </p:cNvPr>
+            <p:cNvSpPr txBox="1"/>
+            <p:nvPr/>
+          </p:nvSpPr>
+          <p:spPr>
+            <a:xfrm>
+              <a:off x="2269487" y="6300220"/>
+              <a:ext cx="1474482" cy="420180"/>
+            </a:xfrm>
+            <a:prstGeom prst="rect">
+              <a:avLst/>
+            </a:prstGeom>
+            <a:solidFill>
+              <a:schemeClr val="bg2"/>
+            </a:solidFill>
+            <a:ln w="19050">
+              <a:solidFill>
+                <a:srgbClr val="FF0000"/>
+              </a:solidFill>
+            </a:ln>
+          </p:spPr>
+          <p:txBody>
+            <a:bodyPr wrap="square" rtlCol="0">
+              <a:spAutoFit/>
+            </a:bodyPr>
+            <a:lstStyle/>
+            <a:p>
+              <a:pPr>
+                <a:lnSpc>
+                  <a:spcPct val="105000"/>
+                </a:lnSpc>
+              </a:pPr>
+              <a:r>
+                <a:rPr lang="zh-TW" altLang="en-US" sz="1050" dirty="0">
+                  <a:latin typeface="微軟正黑體" panose="020B0604030504040204" pitchFamily="34" charset="-120"/>
+                  <a:ea typeface="微軟正黑體" panose="020B0604030504040204" pitchFamily="34" charset="-120"/>
+                </a:rPr>
+                <a:t>工程數量統計表元件、材料填入後執行</a:t>
+              </a:r>
+            </a:p>
+          </p:txBody>
+        </p:sp>
+      </p:grpSp>
+    </p:spTree>
+    <p:extLst>
+      <p:ext uri="{BB962C8B-B14F-4D97-AF65-F5344CB8AC3E}">
+        <p14:creationId xmlns:p14="http://schemas.microsoft.com/office/powerpoint/2010/main" val="1889679859"/>
+      </p:ext>
+    </p:extLst>
+  </p:cSld>
+  <p:clrMapOvr>
+    <a:masterClrMapping/>
+  </p:clrMapOvr>
+</p:sld>
+</file>
+
+<file path=ppt/slides/slide2.xml><?xml version="1.0" encoding="utf-8"?>
+<p:sld xmlns:a="http://schemas.openxmlformats.org/drawingml/2006/main" xmlns:r="http://schemas.openxmlformats.org/officeDocument/2006/relationships" xmlns:p="http://schemas.openxmlformats.org/presentationml/2006/main">
+  <p:cSld>
+    <p:spTree>
+      <p:nvGrpSpPr>
+        <p:cNvPr id="1" name=""/>
+        <p:cNvGrpSpPr/>
+        <p:nvPr/>
+      </p:nvGrpSpPr>
+      <p:grpSpPr>
+        <a:xfrm>
+          <a:off x="0" y="0"/>
+          <a:ext cx="0" cy="0"/>
+          <a:chOff x="0" y="0"/>
+          <a:chExt cx="0" cy="0"/>
+        </a:xfrm>
+      </p:grpSpPr>
+      <p:grpSp>
+        <p:nvGrpSpPr>
+          <p:cNvPr id="24" name="群組 23">
+            <a:extLst>
+              <a:ext uri="{FF2B5EF4-FFF2-40B4-BE49-F238E27FC236}">
+                <a16:creationId xmlns:a16="http://schemas.microsoft.com/office/drawing/2014/main" id="{F64D1F91-D14C-F1F2-F4C1-1A7E8D23C953}"/>
+              </a:ext>
+            </a:extLst>
+          </p:cNvPr>
+          <p:cNvGrpSpPr/>
+          <p:nvPr/>
+        </p:nvGrpSpPr>
+        <p:grpSpPr>
+          <a:xfrm>
+            <a:off x="126233" y="137604"/>
+            <a:ext cx="12065767" cy="6720396"/>
+            <a:chOff x="126233" y="137604"/>
+            <a:chExt cx="12065767" cy="6720396"/>
+          </a:xfrm>
+        </p:grpSpPr>
+        <p:pic>
+          <p:nvPicPr>
+            <p:cNvPr id="3" name="圖片 2">
+              <a:extLst>
+                <a:ext uri="{FF2B5EF4-FFF2-40B4-BE49-F238E27FC236}">
+                  <a16:creationId xmlns:a16="http://schemas.microsoft.com/office/drawing/2014/main" id="{7F96B366-E06E-4D98-F506-E523DC57CB7A}"/>
+                </a:ext>
+              </a:extLst>
+            </p:cNvPr>
+            <p:cNvPicPr>
+              <a:picLocks noChangeAspect="1"/>
+            </p:cNvPicPr>
+            <p:nvPr/>
+          </p:nvPicPr>
+          <p:blipFill>
+            <a:blip r:embed="rId2"/>
+            <a:stretch>
+              <a:fillRect/>
+            </a:stretch>
+          </p:blipFill>
+          <p:spPr>
+            <a:xfrm>
+              <a:off x="126233" y="137604"/>
+              <a:ext cx="6044760" cy="5552982"/>
+            </a:xfrm>
+            <a:prstGeom prst="rect">
+              <a:avLst/>
+            </a:prstGeom>
+          </p:spPr>
+        </p:pic>
+        <p:sp>
+          <p:nvSpPr>
+            <p:cNvPr id="4" name="文字方塊 3">
+              <a:extLst>
+                <a:ext uri="{FF2B5EF4-FFF2-40B4-BE49-F238E27FC236}">
+                  <a16:creationId xmlns:a16="http://schemas.microsoft.com/office/drawing/2014/main" id="{872F208C-E156-9404-D66F-877181394F15}"/>
+                </a:ext>
+              </a:extLst>
+            </p:cNvPr>
+            <p:cNvSpPr txBox="1"/>
+            <p:nvPr/>
+          </p:nvSpPr>
+          <p:spPr>
+            <a:xfrm>
+              <a:off x="5000620" y="324418"/>
+              <a:ext cx="6718450" cy="1367426"/>
+            </a:xfrm>
+            <a:prstGeom prst="rect">
+              <a:avLst/>
+            </a:prstGeom>
+            <a:noFill/>
+          </p:spPr>
+          <p:txBody>
+            <a:bodyPr wrap="square" rtlCol="0">
+              <a:spAutoFit/>
+            </a:bodyPr>
+            <a:lstStyle/>
+            <a:p>
+              <a:pPr>
+                <a:lnSpc>
+                  <a:spcPct val="105000"/>
+                </a:lnSpc>
+              </a:pPr>
+              <a:r>
+                <a:rPr lang="zh-TW" altLang="en-US" sz="1600" b="1" dirty="0">
+                  <a:latin typeface="微軟正黑體" panose="020B0604030504040204" pitchFamily="34" charset="-120"/>
+                  <a:ea typeface="微軟正黑體" panose="020B0604030504040204" pitchFamily="34" charset="-120"/>
+                </a:rPr>
+                <a:t>匯出元件材料統整表</a:t>
+              </a:r>
+              <a:r>
+                <a:rPr lang="en-US" altLang="zh-TW" sz="1600" b="1" dirty="0">
+                  <a:latin typeface="微軟正黑體" panose="020B0604030504040204" pitchFamily="34" charset="-120"/>
+                  <a:ea typeface="微軟正黑體" panose="020B0604030504040204" pitchFamily="34" charset="-120"/>
+                </a:rPr>
+                <a:t>VBA</a:t>
+              </a:r>
+              <a:r>
+                <a:rPr lang="zh-TW" altLang="en-US" sz="1600" b="1" dirty="0">
+                  <a:latin typeface="微軟正黑體" panose="020B0604030504040204" pitchFamily="34" charset="-120"/>
+                  <a:ea typeface="微軟正黑體" panose="020B0604030504040204" pitchFamily="34" charset="-120"/>
+                </a:rPr>
+                <a:t>結果</a:t>
+              </a:r>
+              <a:endParaRPr lang="en-US" altLang="zh-TW" sz="1600" b="1" dirty="0">
+                <a:latin typeface="微軟正黑體" panose="020B0604030504040204" pitchFamily="34" charset="-120"/>
+                <a:ea typeface="微軟正黑體" panose="020B0604030504040204" pitchFamily="34" charset="-120"/>
+              </a:endParaRPr>
+            </a:p>
+            <a:p>
+              <a:pPr>
+                <a:lnSpc>
+                  <a:spcPct val="105000"/>
+                </a:lnSpc>
+              </a:pPr>
+              <a:r>
+                <a:rPr lang="zh-TW" altLang="en-US" sz="1600" dirty="0">
+                  <a:latin typeface="微軟正黑體" panose="020B0604030504040204" pitchFamily="34" charset="-120"/>
+                  <a:ea typeface="微軟正黑體" panose="020B0604030504040204" pitchFamily="34" charset="-120"/>
+                </a:rPr>
+                <a:t>各工程會以空白行隔開，</a:t>
+              </a:r>
+              <a:endParaRPr lang="en-US" altLang="zh-TW" sz="1600" dirty="0">
+                <a:latin typeface="微軟正黑體" panose="020B0604030504040204" pitchFamily="34" charset="-120"/>
+                <a:ea typeface="微軟正黑體" panose="020B0604030504040204" pitchFamily="34" charset="-120"/>
+              </a:endParaRPr>
+            </a:p>
+            <a:p>
+              <a:pPr>
+                <a:lnSpc>
+                  <a:spcPct val="105000"/>
+                </a:lnSpc>
+              </a:pPr>
+              <a:r>
+                <a:rPr lang="zh-TW" altLang="en-US" sz="1600" dirty="0">
+                  <a:latin typeface="微軟正黑體" panose="020B0604030504040204" pitchFamily="34" charset="-120"/>
+                  <a:ea typeface="微軟正黑體" panose="020B0604030504040204" pitchFamily="34" charset="-120"/>
+                </a:rPr>
+                <a:t>第一行</a:t>
+              </a:r>
+              <a:r>
+                <a:rPr lang="en-US" altLang="zh-TW" sz="1600" dirty="0">
+                  <a:latin typeface="微軟正黑體" panose="020B0604030504040204" pitchFamily="34" charset="-120"/>
+                  <a:ea typeface="微軟正黑體" panose="020B0604030504040204" pitchFamily="34" charset="-120"/>
+                </a:rPr>
+                <a:t>(</a:t>
+              </a:r>
+              <a:r>
+                <a:rPr lang="zh-TW" altLang="en-US" sz="1600" dirty="0">
+                  <a:latin typeface="微軟正黑體" panose="020B0604030504040204" pitchFamily="34" charset="-120"/>
+                  <a:ea typeface="微軟正黑體" panose="020B0604030504040204" pitchFamily="34" charset="-120"/>
+                </a:rPr>
+                <a:t>如</a:t>
+              </a:r>
+              <a:r>
+                <a:rPr lang="en-US" altLang="zh-TW" sz="1600" dirty="0">
+                  <a:latin typeface="微軟正黑體" panose="020B0604030504040204" pitchFamily="34" charset="-120"/>
+                  <a:ea typeface="微軟正黑體" panose="020B0604030504040204" pitchFamily="34" charset="-120"/>
+                </a:rPr>
+                <a:t>A</a:t>
+              </a:r>
+              <a:r>
+                <a:rPr lang="zh-TW" altLang="en-US" sz="1600" dirty="0">
+                  <a:latin typeface="微軟正黑體" panose="020B0604030504040204" pitchFamily="34" charset="-120"/>
+                  <a:ea typeface="微軟正黑體" panose="020B0604030504040204" pitchFamily="34" charset="-120"/>
+                </a:rPr>
+                <a:t>欄</a:t>
+              </a:r>
+              <a:r>
+                <a:rPr lang="en-US" altLang="zh-TW" sz="1600" dirty="0">
+                  <a:latin typeface="微軟正黑體" panose="020B0604030504040204" pitchFamily="34" charset="-120"/>
+                  <a:ea typeface="微軟正黑體" panose="020B0604030504040204" pitchFamily="34" charset="-120"/>
+                </a:rPr>
+                <a:t>)</a:t>
+              </a:r>
+              <a:r>
+                <a:rPr lang="zh-TW" altLang="en-US" sz="1600" dirty="0">
+                  <a:latin typeface="微軟正黑體" panose="020B0604030504040204" pitchFamily="34" charset="-120"/>
+                  <a:ea typeface="微軟正黑體" panose="020B0604030504040204" pitchFamily="34" charset="-120"/>
+                </a:rPr>
+                <a:t>，是該工程所有元件與材料，用來做</a:t>
+              </a:r>
+              <a:r>
+                <a:rPr lang="en-US" altLang="zh-TW" sz="1600" dirty="0">
+                  <a:latin typeface="微軟正黑體" panose="020B0604030504040204" pitchFamily="34" charset="-120"/>
+                  <a:ea typeface="微軟正黑體" panose="020B0604030504040204" pitchFamily="34" charset="-120"/>
+                </a:rPr>
+                <a:t>double check</a:t>
+              </a:r>
+              <a:r>
+                <a:rPr lang="zh-TW" altLang="en-US" sz="1600" dirty="0">
+                  <a:latin typeface="微軟正黑體" panose="020B0604030504040204" pitchFamily="34" charset="-120"/>
+                  <a:ea typeface="微軟正黑體" panose="020B0604030504040204" pitchFamily="34" charset="-120"/>
+                </a:rPr>
+                <a:t>用的</a:t>
+              </a:r>
+              <a:endParaRPr lang="en-US" altLang="zh-TW" sz="1600" dirty="0">
+                <a:latin typeface="微軟正黑體" panose="020B0604030504040204" pitchFamily="34" charset="-120"/>
+                <a:ea typeface="微軟正黑體" panose="020B0604030504040204" pitchFamily="34" charset="-120"/>
+              </a:endParaRPr>
+            </a:p>
+            <a:p>
+              <a:pPr>
+                <a:lnSpc>
+                  <a:spcPct val="105000"/>
+                </a:lnSpc>
+              </a:pPr>
+              <a:r>
+                <a:rPr lang="zh-TW" altLang="en-US" sz="1600" dirty="0">
+                  <a:latin typeface="微軟正黑體" panose="020B0604030504040204" pitchFamily="34" charset="-120"/>
+                  <a:ea typeface="微軟正黑體" panose="020B0604030504040204" pitchFamily="34" charset="-120"/>
+                </a:rPr>
+                <a:t>第二行</a:t>
+              </a:r>
+              <a:r>
+                <a:rPr lang="en-US" altLang="zh-TW" sz="1600" dirty="0">
+                  <a:latin typeface="微軟正黑體" panose="020B0604030504040204" pitchFamily="34" charset="-120"/>
+                  <a:ea typeface="微軟正黑體" panose="020B0604030504040204" pitchFamily="34" charset="-120"/>
+                </a:rPr>
+                <a:t>(</a:t>
+              </a:r>
+              <a:r>
+                <a:rPr lang="zh-TW" altLang="en-US" sz="1600" dirty="0">
+                  <a:latin typeface="微軟正黑體" panose="020B0604030504040204" pitchFamily="34" charset="-120"/>
+                  <a:ea typeface="微軟正黑體" panose="020B0604030504040204" pitchFamily="34" charset="-120"/>
+                </a:rPr>
+                <a:t>如</a:t>
+              </a:r>
+              <a:r>
+                <a:rPr lang="en-US" altLang="zh-TW" sz="1600" dirty="0">
+                  <a:latin typeface="微軟正黑體" panose="020B0604030504040204" pitchFamily="34" charset="-120"/>
+                  <a:ea typeface="微軟正黑體" panose="020B0604030504040204" pitchFamily="34" charset="-120"/>
+                </a:rPr>
+                <a:t>B</a:t>
+              </a:r>
+              <a:r>
+                <a:rPr lang="zh-TW" altLang="en-US" sz="1600" dirty="0">
+                  <a:latin typeface="微軟正黑體" panose="020B0604030504040204" pitchFamily="34" charset="-120"/>
+                  <a:ea typeface="微軟正黑體" panose="020B0604030504040204" pitchFamily="34" charset="-120"/>
+                </a:rPr>
+                <a:t>欄</a:t>
+              </a:r>
+              <a:r>
+                <a:rPr lang="en-US" altLang="zh-TW" sz="1600" dirty="0">
+                  <a:latin typeface="微軟正黑體" panose="020B0604030504040204" pitchFamily="34" charset="-120"/>
+                  <a:ea typeface="微軟正黑體" panose="020B0604030504040204" pitchFamily="34" charset="-120"/>
+                </a:rPr>
+                <a:t>)</a:t>
+              </a:r>
+              <a:r>
+                <a:rPr lang="zh-TW" altLang="en-US" sz="1600" dirty="0">
+                  <a:latin typeface="微軟正黑體" panose="020B0604030504040204" pitchFamily="34" charset="-120"/>
+                  <a:ea typeface="微軟正黑體" panose="020B0604030504040204" pitchFamily="34" charset="-120"/>
+                </a:rPr>
+                <a:t>，是該工程所使用的材料</a:t>
+              </a:r>
+              <a:endParaRPr lang="en-US" altLang="zh-TW" sz="1600" dirty="0">
+                <a:latin typeface="微軟正黑體" panose="020B0604030504040204" pitchFamily="34" charset="-120"/>
+                <a:ea typeface="微軟正黑體" panose="020B0604030504040204" pitchFamily="34" charset="-120"/>
+              </a:endParaRPr>
+            </a:p>
+            <a:p>
+              <a:pPr>
+                <a:lnSpc>
+                  <a:spcPct val="105000"/>
+                </a:lnSpc>
+              </a:pPr>
+              <a:r>
+                <a:rPr lang="zh-TW" altLang="en-US" sz="1600" dirty="0">
+                  <a:latin typeface="微軟正黑體" panose="020B0604030504040204" pitchFamily="34" charset="-120"/>
+                  <a:ea typeface="微軟正黑體" panose="020B0604030504040204" pitchFamily="34" charset="-120"/>
+                </a:rPr>
+                <a:t>第三行</a:t>
+              </a:r>
+              <a:r>
+                <a:rPr lang="en-US" altLang="zh-TW" sz="1600" dirty="0">
+                  <a:latin typeface="微軟正黑體" panose="020B0604030504040204" pitchFamily="34" charset="-120"/>
+                  <a:ea typeface="微軟正黑體" panose="020B0604030504040204" pitchFamily="34" charset="-120"/>
+                </a:rPr>
+                <a:t>(</a:t>
+              </a:r>
+              <a:r>
+                <a:rPr lang="zh-TW" altLang="en-US" sz="1600" dirty="0">
+                  <a:latin typeface="微軟正黑體" panose="020B0604030504040204" pitchFamily="34" charset="-120"/>
+                  <a:ea typeface="微軟正黑體" panose="020B0604030504040204" pitchFamily="34" charset="-120"/>
+                </a:rPr>
+                <a:t>如</a:t>
+              </a:r>
+              <a:r>
+                <a:rPr lang="en-US" altLang="zh-TW" sz="1600" dirty="0">
+                  <a:latin typeface="微軟正黑體" panose="020B0604030504040204" pitchFamily="34" charset="-120"/>
+                  <a:ea typeface="微軟正黑體" panose="020B0604030504040204" pitchFamily="34" charset="-120"/>
+                </a:rPr>
+                <a:t>C</a:t>
+              </a:r>
+              <a:r>
+                <a:rPr lang="zh-TW" altLang="en-US" sz="1600" dirty="0">
+                  <a:latin typeface="微軟正黑體" panose="020B0604030504040204" pitchFamily="34" charset="-120"/>
+                  <a:ea typeface="微軟正黑體" panose="020B0604030504040204" pitchFamily="34" charset="-120"/>
+                </a:rPr>
+                <a:t>欄</a:t>
+              </a:r>
+              <a:r>
+                <a:rPr lang="en-US" altLang="zh-TW" sz="1600" dirty="0">
+                  <a:latin typeface="微軟正黑體" panose="020B0604030504040204" pitchFamily="34" charset="-120"/>
+                  <a:ea typeface="微軟正黑體" panose="020B0604030504040204" pitchFamily="34" charset="-120"/>
+                </a:rPr>
+                <a:t>)</a:t>
+              </a:r>
+              <a:r>
+                <a:rPr lang="zh-TW" altLang="en-US" sz="1600" dirty="0">
+                  <a:latin typeface="微軟正黑體" panose="020B0604030504040204" pitchFamily="34" charset="-120"/>
+                  <a:ea typeface="微軟正黑體" panose="020B0604030504040204" pitchFamily="34" charset="-120"/>
+                </a:rPr>
+                <a:t>，是該工程所使用的元件</a:t>
+              </a:r>
+              <a:endParaRPr lang="en-US" altLang="zh-TW" sz="1600" dirty="0">
+                <a:latin typeface="微軟正黑體" panose="020B0604030504040204" pitchFamily="34" charset="-120"/>
+                <a:ea typeface="微軟正黑體" panose="020B0604030504040204" pitchFamily="34" charset="-120"/>
+              </a:endParaRPr>
+            </a:p>
+          </p:txBody>
+        </p:sp>
+        <p:sp>
+          <p:nvSpPr>
+            <p:cNvPr id="5" name="矩形 4">
+              <a:extLst>
+                <a:ext uri="{FF2B5EF4-FFF2-40B4-BE49-F238E27FC236}">
+                  <a16:creationId xmlns:a16="http://schemas.microsoft.com/office/drawing/2014/main" id="{68A1C0C0-D89C-6115-E6F9-AAAECC0DCB26}"/>
+                </a:ext>
+              </a:extLst>
+            </p:cNvPr>
+            <p:cNvSpPr/>
+            <p:nvPr/>
+          </p:nvSpPr>
+          <p:spPr>
+            <a:xfrm>
+              <a:off x="318430" y="324418"/>
+              <a:ext cx="471683" cy="5206370"/>
+            </a:xfrm>
+            <a:prstGeom prst="rect">
+              <a:avLst/>
+            </a:prstGeom>
+            <a:noFill/>
+            <a:ln w="38100">
+              <a:solidFill>
+                <a:srgbClr val="FF0000"/>
+              </a:solidFill>
+            </a:ln>
+          </p:spPr>
+          <p:style>
+            <a:lnRef idx="2">
+              <a:schemeClr val="accent1">
+                <a:shade val="50000"/>
+              </a:schemeClr>
+            </a:lnRef>
+            <a:fillRef idx="1">
+              <a:schemeClr val="accent1"/>
+            </a:fillRef>
+            <a:effectRef idx="0">
+              <a:schemeClr val="accent1"/>
+            </a:effectRef>
+            <a:fontRef idx="minor">
+              <a:schemeClr val="lt1"/>
+            </a:fontRef>
+          </p:style>
+          <p:txBody>
+            <a:bodyPr rtlCol="0" anchor="ctr"/>
+            <a:lstStyle/>
+            <a:p>
+              <a:pPr algn="ctr"/>
+              <a:endParaRPr lang="zh-TW" altLang="en-US"/>
+            </a:p>
+          </p:txBody>
+        </p:sp>
+        <p:sp>
+          <p:nvSpPr>
+            <p:cNvPr id="8" name="矩形 7">
+              <a:extLst>
+                <a:ext uri="{FF2B5EF4-FFF2-40B4-BE49-F238E27FC236}">
+                  <a16:creationId xmlns:a16="http://schemas.microsoft.com/office/drawing/2014/main" id="{43D9A06F-E496-3B1C-4452-217C6B865354}"/>
+                </a:ext>
+              </a:extLst>
+            </p:cNvPr>
+            <p:cNvSpPr/>
+            <p:nvPr/>
+          </p:nvSpPr>
+          <p:spPr>
+            <a:xfrm>
+              <a:off x="807869" y="324418"/>
+              <a:ext cx="471683" cy="5206370"/>
+            </a:xfrm>
+            <a:prstGeom prst="rect">
+              <a:avLst/>
+            </a:prstGeom>
+            <a:noFill/>
+            <a:ln w="38100">
+              <a:solidFill>
+                <a:srgbClr val="00B0F0"/>
+              </a:solidFill>
+            </a:ln>
+          </p:spPr>
+          <p:style>
+            <a:lnRef idx="2">
+              <a:schemeClr val="accent1">
+                <a:shade val="50000"/>
+              </a:schemeClr>
+            </a:lnRef>
+            <a:fillRef idx="1">
+              <a:schemeClr val="accent1"/>
+            </a:fillRef>
+            <a:effectRef idx="0">
+              <a:schemeClr val="accent1"/>
+            </a:effectRef>
+            <a:fontRef idx="minor">
+              <a:schemeClr val="lt1"/>
+            </a:fontRef>
+          </p:style>
+          <p:txBody>
+            <a:bodyPr rtlCol="0" anchor="ctr"/>
+            <a:lstStyle/>
+            <a:p>
+              <a:pPr algn="ctr"/>
+              <a:endParaRPr lang="zh-TW" altLang="en-US"/>
+            </a:p>
+          </p:txBody>
+        </p:sp>
+        <p:sp>
+          <p:nvSpPr>
+            <p:cNvPr id="9" name="矩形 8">
+              <a:extLst>
+                <a:ext uri="{FF2B5EF4-FFF2-40B4-BE49-F238E27FC236}">
+                  <a16:creationId xmlns:a16="http://schemas.microsoft.com/office/drawing/2014/main" id="{3A2DD32C-32DC-7044-2BBE-FE7EFDF8F344}"/>
+                </a:ext>
+              </a:extLst>
+            </p:cNvPr>
+            <p:cNvSpPr/>
+            <p:nvPr/>
+          </p:nvSpPr>
+          <p:spPr>
+            <a:xfrm>
+              <a:off x="1279552" y="324418"/>
+              <a:ext cx="513737" cy="5206370"/>
+            </a:xfrm>
+            <a:prstGeom prst="rect">
+              <a:avLst/>
+            </a:prstGeom>
+            <a:noFill/>
+            <a:ln w="38100">
+              <a:solidFill>
+                <a:srgbClr val="00B050"/>
+              </a:solidFill>
+            </a:ln>
+          </p:spPr>
+          <p:style>
+            <a:lnRef idx="2">
+              <a:schemeClr val="accent1">
+                <a:shade val="50000"/>
+              </a:schemeClr>
+            </a:lnRef>
+            <a:fillRef idx="1">
+              <a:schemeClr val="accent1"/>
+            </a:fillRef>
+            <a:effectRef idx="0">
+              <a:schemeClr val="accent1"/>
+            </a:effectRef>
+            <a:fontRef idx="minor">
+              <a:schemeClr val="lt1"/>
+            </a:fontRef>
+          </p:style>
+          <p:txBody>
+            <a:bodyPr rtlCol="0" anchor="ctr"/>
+            <a:lstStyle/>
+            <a:p>
+              <a:pPr algn="ctr"/>
+              <a:endParaRPr lang="zh-TW" altLang="en-US"/>
+            </a:p>
+          </p:txBody>
+        </p:sp>
+        <p:pic>
+          <p:nvPicPr>
+            <p:cNvPr id="11" name="圖片 10">
+              <a:extLst>
+                <a:ext uri="{FF2B5EF4-FFF2-40B4-BE49-F238E27FC236}">
+                  <a16:creationId xmlns:a16="http://schemas.microsoft.com/office/drawing/2014/main" id="{8C58A96B-C73A-69C6-1266-7A8C9510EB1E}"/>
+                </a:ext>
+              </a:extLst>
+            </p:cNvPr>
+            <p:cNvPicPr>
+              <a:picLocks noChangeAspect="1"/>
+            </p:cNvPicPr>
+            <p:nvPr/>
+          </p:nvPicPr>
+          <p:blipFill>
+            <a:blip r:embed="rId3"/>
+            <a:stretch>
+              <a:fillRect/>
+            </a:stretch>
+          </p:blipFill>
+          <p:spPr>
+            <a:xfrm>
+              <a:off x="4344140" y="3257160"/>
+              <a:ext cx="7847860" cy="3600840"/>
+            </a:xfrm>
+            <a:prstGeom prst="rect">
+              <a:avLst/>
+            </a:prstGeom>
+          </p:spPr>
+        </p:pic>
+        <p:sp>
+          <p:nvSpPr>
+            <p:cNvPr id="12" name="矩形 11">
+              <a:extLst>
+                <a:ext uri="{FF2B5EF4-FFF2-40B4-BE49-F238E27FC236}">
+                  <a16:creationId xmlns:a16="http://schemas.microsoft.com/office/drawing/2014/main" id="{DC3B09B7-F8AC-9EBF-012A-97F192AF40D8}"/>
+                </a:ext>
+              </a:extLst>
+            </p:cNvPr>
+            <p:cNvSpPr/>
+            <p:nvPr/>
+          </p:nvSpPr>
+          <p:spPr>
+            <a:xfrm>
+              <a:off x="4639791" y="3941684"/>
+              <a:ext cx="1077428" cy="2916315"/>
+            </a:xfrm>
+            <a:prstGeom prst="rect">
+              <a:avLst/>
+            </a:prstGeom>
+            <a:noFill/>
+            <a:ln w="38100">
+              <a:solidFill>
+                <a:srgbClr val="00B0F0"/>
+              </a:solidFill>
+            </a:ln>
+          </p:spPr>
+          <p:style>
+            <a:lnRef idx="2">
+              <a:schemeClr val="accent1">
+                <a:shade val="50000"/>
+              </a:schemeClr>
+            </a:lnRef>
+            <a:fillRef idx="1">
+              <a:schemeClr val="accent1"/>
+            </a:fillRef>
+            <a:effectRef idx="0">
+              <a:schemeClr val="accent1"/>
+            </a:effectRef>
+            <a:fontRef idx="minor">
+              <a:schemeClr val="lt1"/>
+            </a:fontRef>
+          </p:style>
+          <p:txBody>
+            <a:bodyPr rtlCol="0" anchor="ctr"/>
+            <a:lstStyle/>
+            <a:p>
+              <a:pPr algn="ctr"/>
+              <a:endParaRPr lang="zh-TW" altLang="en-US"/>
+            </a:p>
+          </p:txBody>
+        </p:sp>
+        <p:sp>
+          <p:nvSpPr>
+            <p:cNvPr id="13" name="矩形 12">
+              <a:extLst>
+                <a:ext uri="{FF2B5EF4-FFF2-40B4-BE49-F238E27FC236}">
+                  <a16:creationId xmlns:a16="http://schemas.microsoft.com/office/drawing/2014/main" id="{BCB98DB1-84B8-7774-6BA7-17C08E229F4B}"/>
+                </a:ext>
+              </a:extLst>
+            </p:cNvPr>
+            <p:cNvSpPr/>
+            <p:nvPr/>
+          </p:nvSpPr>
+          <p:spPr>
+            <a:xfrm>
+              <a:off x="5923003" y="3551067"/>
+              <a:ext cx="5733378" cy="284085"/>
+            </a:xfrm>
+            <a:prstGeom prst="rect">
+              <a:avLst/>
+            </a:prstGeom>
+            <a:noFill/>
+            <a:ln w="38100">
+              <a:solidFill>
+                <a:srgbClr val="00B050"/>
+              </a:solidFill>
+            </a:ln>
+          </p:spPr>
+          <p:style>
+            <a:lnRef idx="2">
+              <a:schemeClr val="accent1">
+                <a:shade val="50000"/>
+              </a:schemeClr>
+            </a:lnRef>
+            <a:fillRef idx="1">
+              <a:schemeClr val="accent1"/>
+            </a:fillRef>
+            <a:effectRef idx="0">
+              <a:schemeClr val="accent1"/>
+            </a:effectRef>
+            <a:fontRef idx="minor">
+              <a:schemeClr val="lt1"/>
+            </a:fontRef>
+          </p:style>
+          <p:txBody>
+            <a:bodyPr rtlCol="0" anchor="ctr"/>
+            <a:lstStyle/>
+            <a:p>
+              <a:pPr algn="ctr"/>
+              <a:endParaRPr lang="zh-TW" altLang="en-US"/>
+            </a:p>
+          </p:txBody>
+        </p:sp>
+        <p:cxnSp>
+          <p:nvCxnSpPr>
+            <p:cNvPr id="18" name="接點: 肘形 17">
+              <a:extLst>
+                <a:ext uri="{FF2B5EF4-FFF2-40B4-BE49-F238E27FC236}">
+                  <a16:creationId xmlns:a16="http://schemas.microsoft.com/office/drawing/2014/main" id="{404588E1-2056-989C-4705-55230AD1E3A8}"/>
+                </a:ext>
+              </a:extLst>
+            </p:cNvPr>
+            <p:cNvCxnSpPr>
+              <a:stCxn id="8" idx="2"/>
+            </p:cNvCxnSpPr>
+            <p:nvPr/>
+          </p:nvCxnSpPr>
+          <p:spPr>
+            <a:xfrm rot="16200000" flipH="1">
+              <a:off x="2504400" y="4070099"/>
+              <a:ext cx="674703" cy="3596080"/>
+            </a:xfrm>
+            <a:prstGeom prst="bentConnector2">
+              <a:avLst/>
+            </a:prstGeom>
+            <a:ln w="38100">
+              <a:solidFill>
+                <a:srgbClr val="00B0F0"/>
+              </a:solidFill>
+              <a:tailEnd type="triangle"/>
+            </a:ln>
+          </p:spPr>
+          <p:style>
+            <a:lnRef idx="1">
+              <a:schemeClr val="accent1"/>
+            </a:lnRef>
+            <a:fillRef idx="0">
+              <a:schemeClr val="accent1"/>
+            </a:fillRef>
+            <a:effectRef idx="0">
+              <a:schemeClr val="accent1"/>
+            </a:effectRef>
+            <a:fontRef idx="minor">
+              <a:schemeClr val="tx1"/>
+            </a:fontRef>
+          </p:style>
+        </p:cxnSp>
+        <p:cxnSp>
+          <p:nvCxnSpPr>
+            <p:cNvPr id="20" name="接點: 肘形 19">
+              <a:extLst>
+                <a:ext uri="{FF2B5EF4-FFF2-40B4-BE49-F238E27FC236}">
+                  <a16:creationId xmlns:a16="http://schemas.microsoft.com/office/drawing/2014/main" id="{4E16D5DE-1244-E8BC-D2C3-7FB4C9910C3C}"/>
+                </a:ext>
+              </a:extLst>
+            </p:cNvPr>
+            <p:cNvCxnSpPr>
+              <a:stCxn id="9" idx="3"/>
+              <a:endCxn id="13" idx="0"/>
+            </p:cNvCxnSpPr>
+            <p:nvPr/>
+          </p:nvCxnSpPr>
+          <p:spPr>
+            <a:xfrm>
+              <a:off x="1793289" y="2927603"/>
+              <a:ext cx="6996403" cy="623464"/>
+            </a:xfrm>
+            <a:prstGeom prst="bentConnector2">
+              <a:avLst/>
+            </a:prstGeom>
+            <a:ln w="38100">
+              <a:tailEnd type="triangle"/>
+            </a:ln>
+          </p:spPr>
+          <p:style>
+            <a:lnRef idx="1">
+              <a:schemeClr val="accent6"/>
+            </a:lnRef>
+            <a:fillRef idx="0">
+              <a:schemeClr val="accent6"/>
+            </a:fillRef>
+            <a:effectRef idx="0">
+              <a:schemeClr val="accent6"/>
+            </a:effectRef>
+            <a:fontRef idx="minor">
+              <a:schemeClr val="tx1"/>
+            </a:fontRef>
+          </p:style>
+        </p:cxnSp>
+        <p:sp>
+          <p:nvSpPr>
+            <p:cNvPr id="21" name="文字方塊 20">
+              <a:extLst>
+                <a:ext uri="{FF2B5EF4-FFF2-40B4-BE49-F238E27FC236}">
+                  <a16:creationId xmlns:a16="http://schemas.microsoft.com/office/drawing/2014/main" id="{2AE9774E-715E-E55C-723B-2320F768F669}"/>
+                </a:ext>
+              </a:extLst>
+            </p:cNvPr>
+            <p:cNvSpPr txBox="1"/>
+            <p:nvPr/>
+          </p:nvSpPr>
+          <p:spPr>
+            <a:xfrm>
+              <a:off x="5000620" y="2255670"/>
+              <a:ext cx="6718450" cy="591829"/>
+            </a:xfrm>
+            <a:prstGeom prst="rect">
+              <a:avLst/>
+            </a:prstGeom>
+            <a:noFill/>
+          </p:spPr>
+          <p:txBody>
+            <a:bodyPr wrap="square" rtlCol="0">
+              <a:spAutoFit/>
+            </a:bodyPr>
+            <a:lstStyle/>
+            <a:p>
+              <a:pPr>
+                <a:lnSpc>
+                  <a:spcPct val="105000"/>
+                </a:lnSpc>
+              </a:pPr>
+              <a:r>
+                <a:rPr lang="zh-TW" altLang="en-US" sz="1600" b="1" dirty="0">
+                  <a:latin typeface="微軟正黑體" panose="020B0604030504040204" pitchFamily="34" charset="-120"/>
+                  <a:ea typeface="微軟正黑體" panose="020B0604030504040204" pitchFamily="34" charset="-120"/>
+                </a:rPr>
+                <a:t>手動將結果複製到指定工程數量統計表</a:t>
+              </a:r>
+              <a:endParaRPr lang="en-US" altLang="zh-TW" sz="1600" b="1" dirty="0">
+                <a:latin typeface="微軟正黑體" panose="020B0604030504040204" pitchFamily="34" charset="-120"/>
+                <a:ea typeface="微軟正黑體" panose="020B0604030504040204" pitchFamily="34" charset="-120"/>
+              </a:endParaRPr>
+            </a:p>
+            <a:p>
+              <a:pPr>
+                <a:lnSpc>
+                  <a:spcPct val="105000"/>
+                </a:lnSpc>
+              </a:pPr>
+              <a:r>
+                <a:rPr lang="zh-TW" altLang="en-US" sz="1600" b="1" dirty="0">
+                  <a:solidFill>
+                    <a:srgbClr val="FF0000"/>
+                  </a:solidFill>
+                  <a:latin typeface="微軟正黑體" panose="020B0604030504040204" pitchFamily="34" charset="-120"/>
+                  <a:ea typeface="微軟正黑體" panose="020B0604030504040204" pitchFamily="34" charset="-120"/>
+                </a:rPr>
+                <a:t>元件可以用轉置貼上</a:t>
+              </a:r>
+              <a:endParaRPr lang="en-US" altLang="zh-TW" sz="1600" b="1" dirty="0">
+                <a:solidFill>
+                  <a:srgbClr val="FF0000"/>
+                </a:solidFill>
+                <a:latin typeface="微軟正黑體" panose="020B0604030504040204" pitchFamily="34" charset="-120"/>
+                <a:ea typeface="微軟正黑體" panose="020B0604030504040204" pitchFamily="34" charset="-120"/>
+              </a:endParaRPr>
+            </a:p>
+          </p:txBody>
+        </p:sp>
+        <p:pic>
+          <p:nvPicPr>
+            <p:cNvPr id="23" name="圖片 22">
+              <a:extLst>
+                <a:ext uri="{FF2B5EF4-FFF2-40B4-BE49-F238E27FC236}">
+                  <a16:creationId xmlns:a16="http://schemas.microsoft.com/office/drawing/2014/main" id="{843E0112-E98F-30D2-C05E-FCC18C75EBF9}"/>
+                </a:ext>
+              </a:extLst>
+            </p:cNvPr>
+            <p:cNvPicPr>
+              <a:picLocks noChangeAspect="1"/>
+            </p:cNvPicPr>
+            <p:nvPr/>
+          </p:nvPicPr>
+          <p:blipFill>
+            <a:blip r:embed="rId4"/>
+            <a:stretch>
+              <a:fillRect/>
+            </a:stretch>
+          </p:blipFill>
+          <p:spPr>
+            <a:xfrm>
+              <a:off x="8820100" y="2205699"/>
+              <a:ext cx="1302643" cy="1051461"/>
+            </a:xfrm>
+            <a:prstGeom prst="rect">
+              <a:avLst/>
+            </a:prstGeom>
+          </p:spPr>
+        </p:pic>
+      </p:grpSp>
+    </p:spTree>
+    <p:extLst>
+      <p:ext uri="{BB962C8B-B14F-4D97-AF65-F5344CB8AC3E}">
+        <p14:creationId xmlns:p14="http://schemas.microsoft.com/office/powerpoint/2010/main" val="416795345"/>
+      </p:ext>
+    </p:extLst>
+  </p:cSld>
+  <p:clrMapOvr>
+    <a:masterClrMapping/>
+  </p:clrMapOvr>
+</p:sld>
+</file>
+
+<file path=ppt/slides/slide3.xml><?xml version="1.0" encoding="utf-8"?>
+<p:sld xmlns:a="http://schemas.openxmlformats.org/drawingml/2006/main" xmlns:r="http://schemas.openxmlformats.org/officeDocument/2006/relationships" xmlns:p="http://schemas.openxmlformats.org/presentationml/2006/main">
+  <p:cSld>
+    <p:spTree>
+      <p:nvGrpSpPr>
+        <p:cNvPr id="1" name=""/>
+        <p:cNvGrpSpPr/>
+        <p:nvPr/>
+      </p:nvGrpSpPr>
+      <p:grpSpPr>
+        <a:xfrm>
+          <a:off x="0" y="0"/>
+          <a:ext cx="0" cy="0"/>
+          <a:chOff x="0" y="0"/>
+          <a:chExt cx="0" cy="0"/>
+        </a:xfrm>
+      </p:grpSpPr>
+      <p:grpSp>
+        <p:nvGrpSpPr>
+          <p:cNvPr id="37" name="群組 36">
+            <a:extLst>
+              <a:ext uri="{FF2B5EF4-FFF2-40B4-BE49-F238E27FC236}">
+                <a16:creationId xmlns:a16="http://schemas.microsoft.com/office/drawing/2014/main" id="{CC2A188E-1C2F-19AA-488B-78A74470AB89}"/>
+              </a:ext>
+            </a:extLst>
+          </p:cNvPr>
+          <p:cNvGrpSpPr/>
+          <p:nvPr/>
+        </p:nvGrpSpPr>
+        <p:grpSpPr>
+          <a:xfrm>
+            <a:off x="0" y="11463"/>
+            <a:ext cx="12192001" cy="6530040"/>
+            <a:chOff x="0" y="11463"/>
+            <a:chExt cx="12192001" cy="6530040"/>
+          </a:xfrm>
+        </p:grpSpPr>
+        <p:grpSp>
+          <p:nvGrpSpPr>
+            <p:cNvPr id="11" name="群組 10">
+              <a:extLst>
+                <a:ext uri="{FF2B5EF4-FFF2-40B4-BE49-F238E27FC236}">
+                  <a16:creationId xmlns:a16="http://schemas.microsoft.com/office/drawing/2014/main" id="{88D8F964-9B4B-0768-1F85-9E6FD459D8EC}"/>
+                </a:ext>
+              </a:extLst>
+            </p:cNvPr>
+            <p:cNvGrpSpPr/>
+            <p:nvPr/>
+          </p:nvGrpSpPr>
+          <p:grpSpPr>
+            <a:xfrm>
+              <a:off x="0" y="11463"/>
+              <a:ext cx="8054120" cy="3860016"/>
+              <a:chOff x="1224082" y="2132200"/>
+              <a:chExt cx="8054120" cy="3860016"/>
             </a:xfrm>
           </p:grpSpPr>
           <p:pic>
             <p:nvPicPr>
-              <p:cNvPr id="5" name="圖片 4">
+              <p:cNvPr id="7" name="圖片 6">
                 <a:extLst>
                   <a:ext uri="{FF2B5EF4-FFF2-40B4-BE49-F238E27FC236}">
-                    <a16:creationId xmlns:a16="http://schemas.microsoft.com/office/drawing/2014/main" id="{D1A0BA3A-0B26-AF07-A933-4E6B6ED49DAA}"/>
+                    <a16:creationId xmlns:a16="http://schemas.microsoft.com/office/drawing/2014/main" id="{3EAC1DDB-6C09-5365-041E-8F2863984CAC}"/>
                   </a:ext>
                 </a:extLst>
               </p:cNvPr>
@@ -3389,8 +5168,8 @@
             </p:blipFill>
             <p:spPr>
               <a:xfrm>
-                <a:off x="552" y="0"/>
-                <a:ext cx="7075026" cy="6858000"/>
+                <a:off x="1224082" y="2132200"/>
+                <a:ext cx="8054120" cy="3860016"/>
               </a:xfrm>
               <a:prstGeom prst="rect">
                 <a:avLst/>
@@ -3399,10 +5178,10 @@
           </p:pic>
           <p:sp>
             <p:nvSpPr>
-              <p:cNvPr id="6" name="矩形 5">
+              <p:cNvPr id="8" name="矩形 7">
                 <a:extLst>
                   <a:ext uri="{FF2B5EF4-FFF2-40B4-BE49-F238E27FC236}">
-                    <a16:creationId xmlns:a16="http://schemas.microsoft.com/office/drawing/2014/main" id="{6688ACA9-B54B-CDD0-86A0-24163FE7F166}"/>
+                    <a16:creationId xmlns:a16="http://schemas.microsoft.com/office/drawing/2014/main" id="{D17F620C-3F36-82C9-7513-6D3F883F1E69}"/>
                   </a:ext>
                 </a:extLst>
               </p:cNvPr>
@@ -3411,8 +5190,211 @@
             </p:nvSpPr>
             <p:spPr>
               <a:xfrm>
-                <a:off x="5103494" y="949911"/>
-                <a:ext cx="745724" cy="5699464"/>
+                <a:off x="2503503" y="2556769"/>
+                <a:ext cx="6223248" cy="3151573"/>
+              </a:xfrm>
+              <a:prstGeom prst="rect">
+                <a:avLst/>
+              </a:prstGeom>
+              <a:noFill/>
+              <a:ln w="38100">
+                <a:solidFill>
+                  <a:srgbClr val="FF0000"/>
+                </a:solidFill>
+              </a:ln>
+            </p:spPr>
+            <p:style>
+              <a:lnRef idx="2">
+                <a:schemeClr val="accent1">
+                  <a:shade val="50000"/>
+                </a:schemeClr>
+              </a:lnRef>
+              <a:fillRef idx="1">
+                <a:schemeClr val="accent1"/>
+              </a:fillRef>
+              <a:effectRef idx="0">
+                <a:schemeClr val="accent1"/>
+              </a:effectRef>
+              <a:fontRef idx="minor">
+                <a:schemeClr val="lt1"/>
+              </a:fontRef>
+            </p:style>
+            <p:txBody>
+              <a:bodyPr rtlCol="0" anchor="ctr"/>
+              <a:lstStyle/>
+              <a:p>
+                <a:pPr algn="ctr"/>
+                <a:endParaRPr lang="zh-TW" altLang="en-US"/>
+              </a:p>
+            </p:txBody>
+          </p:sp>
+        </p:grpSp>
+        <p:sp>
+          <p:nvSpPr>
+            <p:cNvPr id="10" name="文字方塊 9">
+              <a:extLst>
+                <a:ext uri="{FF2B5EF4-FFF2-40B4-BE49-F238E27FC236}">
+                  <a16:creationId xmlns:a16="http://schemas.microsoft.com/office/drawing/2014/main" id="{B1277F56-79C4-8BBC-BC92-E12D31117BAE}"/>
+                </a:ext>
+              </a:extLst>
+            </p:cNvPr>
+            <p:cNvSpPr txBox="1"/>
+            <p:nvPr/>
+          </p:nvSpPr>
+          <p:spPr>
+            <a:xfrm>
+              <a:off x="2401409" y="5691142"/>
+              <a:ext cx="5891273" cy="850361"/>
+            </a:xfrm>
+            <a:prstGeom prst="rect">
+              <a:avLst/>
+            </a:prstGeom>
+            <a:noFill/>
+          </p:spPr>
+          <p:txBody>
+            <a:bodyPr wrap="square" rtlCol="0">
+              <a:spAutoFit/>
+            </a:bodyPr>
+            <a:lstStyle/>
+            <a:p>
+              <a:pPr>
+                <a:lnSpc>
+                  <a:spcPct val="105000"/>
+                </a:lnSpc>
+              </a:pPr>
+              <a:r>
+                <a:rPr lang="zh-TW" altLang="en-US" sz="1600" b="1" dirty="0">
+                  <a:latin typeface="微軟正黑體" panose="020B0604030504040204" pitchFamily="34" charset="-120"/>
+                  <a:ea typeface="微軟正黑體" panose="020B0604030504040204" pitchFamily="34" charset="-120"/>
+                </a:rPr>
+                <a:t>確認</a:t>
+              </a:r>
+              <a:r>
+                <a:rPr lang="en-US" altLang="zh-TW" sz="1600" b="1" dirty="0">
+                  <a:latin typeface="微軟正黑體" panose="020B0604030504040204" pitchFamily="34" charset="-120"/>
+                  <a:ea typeface="微軟正黑體" panose="020B0604030504040204" pitchFamily="34" charset="-120"/>
+                </a:rPr>
+                <a:t>VBA</a:t>
+              </a:r>
+              <a:r>
+                <a:rPr lang="zh-TW" altLang="en-US" sz="1600" b="1" dirty="0">
+                  <a:latin typeface="微軟正黑體" panose="020B0604030504040204" pitchFamily="34" charset="-120"/>
+                  <a:ea typeface="微軟正黑體" panose="020B0604030504040204" pitchFamily="34" charset="-120"/>
+                </a:rPr>
+                <a:t>參數，並執行填入元件材料單位與數量</a:t>
+              </a:r>
+              <a:endParaRPr lang="en-US" altLang="zh-TW" sz="1600" b="1" dirty="0">
+                <a:latin typeface="微軟正黑體" panose="020B0604030504040204" pitchFamily="34" charset="-120"/>
+                <a:ea typeface="微軟正黑體" panose="020B0604030504040204" pitchFamily="34" charset="-120"/>
+              </a:endParaRPr>
+            </a:p>
+            <a:p>
+              <a:pPr>
+                <a:lnSpc>
+                  <a:spcPct val="105000"/>
+                </a:lnSpc>
+              </a:pPr>
+              <a:r>
+                <a:rPr lang="zh-TW" altLang="en-US" sz="1600" dirty="0">
+                  <a:latin typeface="微軟正黑體" panose="020B0604030504040204" pitchFamily="34" charset="-120"/>
+                  <a:ea typeface="微軟正黑體" panose="020B0604030504040204" pitchFamily="34" charset="-120"/>
+                </a:rPr>
+                <a:t>確認目標工程數量統計表名稱，並確認該工程在元件表的編號</a:t>
+              </a:r>
+              <a:endParaRPr lang="en-US" altLang="zh-TW" sz="1600" dirty="0">
+                <a:latin typeface="微軟正黑體" panose="020B0604030504040204" pitchFamily="34" charset="-120"/>
+                <a:ea typeface="微軟正黑體" panose="020B0604030504040204" pitchFamily="34" charset="-120"/>
+              </a:endParaRPr>
+            </a:p>
+            <a:p>
+              <a:pPr>
+                <a:lnSpc>
+                  <a:spcPct val="105000"/>
+                </a:lnSpc>
+              </a:pPr>
+              <a:r>
+                <a:rPr lang="zh-TW" altLang="en-US" sz="1600" dirty="0">
+                  <a:latin typeface="微軟正黑體" panose="020B0604030504040204" pitchFamily="34" charset="-120"/>
+                  <a:ea typeface="微軟正黑體" panose="020B0604030504040204" pitchFamily="34" charset="-120"/>
+                </a:rPr>
+                <a:t>如此處橋樑工程在元件表的編號為</a:t>
+              </a:r>
+              <a:r>
+                <a:rPr lang="en-US" altLang="zh-TW" sz="1600" dirty="0">
+                  <a:latin typeface="微軟正黑體" panose="020B0604030504040204" pitchFamily="34" charset="-120"/>
+                  <a:ea typeface="微軟正黑體" panose="020B0604030504040204" pitchFamily="34" charset="-120"/>
+                </a:rPr>
+                <a:t>1</a:t>
+              </a:r>
+            </a:p>
+          </p:txBody>
+        </p:sp>
+        <p:grpSp>
+          <p:nvGrpSpPr>
+            <p:cNvPr id="20" name="群組 19">
+              <a:extLst>
+                <a:ext uri="{FF2B5EF4-FFF2-40B4-BE49-F238E27FC236}">
+                  <a16:creationId xmlns:a16="http://schemas.microsoft.com/office/drawing/2014/main" id="{8F59515E-DAA8-AF72-E3FD-D0A8353AFE10}"/>
+                </a:ext>
+              </a:extLst>
+            </p:cNvPr>
+            <p:cNvGrpSpPr/>
+            <p:nvPr/>
+          </p:nvGrpSpPr>
+          <p:grpSpPr>
+            <a:xfrm>
+              <a:off x="117332" y="4296048"/>
+              <a:ext cx="5331659" cy="981698"/>
+              <a:chOff x="117332" y="85197"/>
+              <a:chExt cx="5331659" cy="981698"/>
+            </a:xfrm>
+          </p:grpSpPr>
+          <p:pic>
+            <p:nvPicPr>
+              <p:cNvPr id="5" name="圖片 4">
+                <a:extLst>
+                  <a:ext uri="{FF2B5EF4-FFF2-40B4-BE49-F238E27FC236}">
+                    <a16:creationId xmlns:a16="http://schemas.microsoft.com/office/drawing/2014/main" id="{D345BF9E-7249-14F2-A8FD-3ABD2F6A2A9E}"/>
+                  </a:ext>
+                </a:extLst>
+              </p:cNvPr>
+              <p:cNvPicPr>
+                <a:picLocks noChangeAspect="1"/>
+              </p:cNvPicPr>
+              <p:nvPr/>
+            </p:nvPicPr>
+            <p:blipFill>
+              <a:blip r:embed="rId3"/>
+              <a:stretch>
+                <a:fillRect/>
+              </a:stretch>
+            </p:blipFill>
+            <p:spPr>
+              <a:xfrm>
+                <a:off x="117332" y="102189"/>
+                <a:ext cx="5331659" cy="964706"/>
+              </a:xfrm>
+              <a:prstGeom prst="rect">
+                <a:avLst/>
+              </a:prstGeom>
+            </p:spPr>
+          </p:pic>
+          <p:sp>
+            <p:nvSpPr>
+              <p:cNvPr id="12" name="矩形 11">
+                <a:extLst>
+                  <a:ext uri="{FF2B5EF4-FFF2-40B4-BE49-F238E27FC236}">
+                    <a16:creationId xmlns:a16="http://schemas.microsoft.com/office/drawing/2014/main" id="{A6C2F986-1344-1E92-BB10-03AC6241EF21}"/>
+                  </a:ext>
+                </a:extLst>
+              </p:cNvPr>
+              <p:cNvSpPr/>
+              <p:nvPr/>
+            </p:nvSpPr>
+            <p:spPr>
+              <a:xfrm>
+                <a:off x="1615736" y="585926"/>
+                <a:ext cx="1571347" cy="480969"/>
               </a:xfrm>
               <a:prstGeom prst="rect">
                 <a:avLst/>
@@ -3451,575 +5433,535 @@
           </p:sp>
           <p:sp>
             <p:nvSpPr>
-              <p:cNvPr id="7" name="文字方塊 6">
+              <p:cNvPr id="13" name="矩形 12">
                 <a:extLst>
                   <a:ext uri="{FF2B5EF4-FFF2-40B4-BE49-F238E27FC236}">
-                    <a16:creationId xmlns:a16="http://schemas.microsoft.com/office/drawing/2014/main" id="{9E5AC3A7-23A4-6C11-956D-646F41070C67}"/>
+                    <a16:creationId xmlns:a16="http://schemas.microsoft.com/office/drawing/2014/main" id="{BA10167C-1A55-BA34-C4D1-2CDC8153D978}"/>
                   </a:ext>
                 </a:extLst>
               </p:cNvPr>
-              <p:cNvSpPr txBox="1"/>
+              <p:cNvSpPr/>
               <p:nvPr/>
             </p:nvSpPr>
             <p:spPr>
               <a:xfrm>
-                <a:off x="7201531" y="1460296"/>
-                <a:ext cx="4990469" cy="2629951"/>
+                <a:off x="3295096" y="85197"/>
+                <a:ext cx="1569867" cy="553995"/>
               </a:xfrm>
               <a:prstGeom prst="rect">
                 <a:avLst/>
               </a:prstGeom>
               <a:noFill/>
+              <a:ln w="38100">
+                <a:solidFill>
+                  <a:srgbClr val="FF0000"/>
+                </a:solidFill>
+              </a:ln>
             </p:spPr>
+            <p:style>
+              <a:lnRef idx="2">
+                <a:schemeClr val="accent1">
+                  <a:shade val="50000"/>
+                </a:schemeClr>
+              </a:lnRef>
+              <a:fillRef idx="1">
+                <a:schemeClr val="accent1"/>
+              </a:fillRef>
+              <a:effectRef idx="0">
+                <a:schemeClr val="accent1"/>
+              </a:effectRef>
+              <a:fontRef idx="minor">
+                <a:schemeClr val="lt1"/>
+              </a:fontRef>
+            </p:style>
             <p:txBody>
-              <a:bodyPr wrap="none" rtlCol="0">
-                <a:spAutoFit/>
-              </a:bodyPr>
+              <a:bodyPr rtlCol="0" anchor="ctr"/>
               <a:lstStyle/>
               <a:p>
-                <a:pPr>
-                  <a:lnSpc>
-                    <a:spcPct val="105000"/>
-                  </a:lnSpc>
-                </a:pPr>
-                <a:r>
-                  <a:rPr lang="zh-TW" altLang="en-US" sz="1600" b="1" dirty="0">
-                    <a:latin typeface="微軟正黑體" panose="020B0604030504040204" pitchFamily="34" charset="-120"/>
-                    <a:ea typeface="微軟正黑體" panose="020B0604030504040204" pitchFamily="34" charset="-120"/>
-                  </a:rPr>
-                  <a:t>基本說明</a:t>
-                </a:r>
-                <a:endParaRPr lang="en-US" altLang="zh-TW" sz="1600" b="1" dirty="0">
+                <a:pPr algn="ctr"/>
+                <a:endParaRPr lang="zh-TW" altLang="en-US"/>
+              </a:p>
+            </p:txBody>
+          </p:sp>
+        </p:grpSp>
+        <p:sp>
+          <p:nvSpPr>
+            <p:cNvPr id="21" name="矩形 20">
+              <a:extLst>
+                <a:ext uri="{FF2B5EF4-FFF2-40B4-BE49-F238E27FC236}">
+                  <a16:creationId xmlns:a16="http://schemas.microsoft.com/office/drawing/2014/main" id="{80B67B1F-88B6-F255-E531-1AA855336584}"/>
+                </a:ext>
+              </a:extLst>
+            </p:cNvPr>
+            <p:cNvSpPr/>
+            <p:nvPr/>
+          </p:nvSpPr>
+          <p:spPr>
+            <a:xfrm>
+              <a:off x="1409010" y="3718294"/>
+              <a:ext cx="881430" cy="164358"/>
+            </a:xfrm>
+            <a:prstGeom prst="rect">
+              <a:avLst/>
+            </a:prstGeom>
+            <a:noFill/>
+            <a:ln w="38100">
+              <a:solidFill>
+                <a:srgbClr val="FF0000"/>
+              </a:solidFill>
+            </a:ln>
+          </p:spPr>
+          <p:style>
+            <a:lnRef idx="2">
+              <a:schemeClr val="accent1">
+                <a:shade val="50000"/>
+              </a:schemeClr>
+            </a:lnRef>
+            <a:fillRef idx="1">
+              <a:schemeClr val="accent1"/>
+            </a:fillRef>
+            <a:effectRef idx="0">
+              <a:schemeClr val="accent1"/>
+            </a:effectRef>
+            <a:fontRef idx="minor">
+              <a:schemeClr val="lt1"/>
+            </a:fontRef>
+          </p:style>
+          <p:txBody>
+            <a:bodyPr rtlCol="0" anchor="ctr"/>
+            <a:lstStyle/>
+            <a:p>
+              <a:pPr algn="ctr"/>
+              <a:endParaRPr lang="zh-TW" altLang="en-US"/>
+            </a:p>
+          </p:txBody>
+        </p:sp>
+        <p:cxnSp>
+          <p:nvCxnSpPr>
+            <p:cNvPr id="23" name="直線單箭頭接點 22">
+              <a:extLst>
+                <a:ext uri="{FF2B5EF4-FFF2-40B4-BE49-F238E27FC236}">
+                  <a16:creationId xmlns:a16="http://schemas.microsoft.com/office/drawing/2014/main" id="{0A4616A1-A799-C47D-D8F0-F4CEC48BEC5A}"/>
+                </a:ext>
+              </a:extLst>
+            </p:cNvPr>
+            <p:cNvCxnSpPr>
+              <a:stCxn id="21" idx="2"/>
+              <a:endCxn id="13" idx="1"/>
+            </p:cNvCxnSpPr>
+            <p:nvPr/>
+          </p:nvCxnSpPr>
+          <p:spPr>
+            <a:xfrm>
+              <a:off x="1849725" y="3882652"/>
+              <a:ext cx="1445371" cy="690394"/>
+            </a:xfrm>
+            <a:prstGeom prst="straightConnector1">
+              <a:avLst/>
+            </a:prstGeom>
+            <a:ln w="28575">
+              <a:solidFill>
+                <a:srgbClr val="FF0000"/>
+              </a:solidFill>
+              <a:tailEnd type="triangle"/>
+            </a:ln>
+          </p:spPr>
+          <p:style>
+            <a:lnRef idx="1">
+              <a:schemeClr val="accent1"/>
+            </a:lnRef>
+            <a:fillRef idx="0">
+              <a:schemeClr val="accent1"/>
+            </a:fillRef>
+            <a:effectRef idx="0">
+              <a:schemeClr val="accent1"/>
+            </a:effectRef>
+            <a:fontRef idx="minor">
+              <a:schemeClr val="tx1"/>
+            </a:fontRef>
+          </p:style>
+        </p:cxnSp>
+        <p:cxnSp>
+          <p:nvCxnSpPr>
+            <p:cNvPr id="25" name="接點: 肘形 24">
+              <a:extLst>
+                <a:ext uri="{FF2B5EF4-FFF2-40B4-BE49-F238E27FC236}">
+                  <a16:creationId xmlns:a16="http://schemas.microsoft.com/office/drawing/2014/main" id="{AF6A28F6-309F-22E1-1A12-D235FBE6C66C}"/>
+                </a:ext>
+              </a:extLst>
+            </p:cNvPr>
+            <p:cNvCxnSpPr>
+              <a:cxnSpLocks/>
+              <a:stCxn id="13" idx="2"/>
+              <a:endCxn id="12" idx="3"/>
+            </p:cNvCxnSpPr>
+            <p:nvPr/>
+          </p:nvCxnSpPr>
+          <p:spPr>
+            <a:xfrm rot="5400000">
+              <a:off x="3539948" y="4497179"/>
+              <a:ext cx="187219" cy="892947"/>
+            </a:xfrm>
+            <a:prstGeom prst="bentConnector2">
+              <a:avLst/>
+            </a:prstGeom>
+            <a:ln w="28575">
+              <a:solidFill>
+                <a:srgbClr val="FF0000"/>
+              </a:solidFill>
+              <a:tailEnd type="triangle"/>
+            </a:ln>
+          </p:spPr>
+          <p:style>
+            <a:lnRef idx="1">
+              <a:schemeClr val="accent1"/>
+            </a:lnRef>
+            <a:fillRef idx="0">
+              <a:schemeClr val="accent1"/>
+            </a:fillRef>
+            <a:effectRef idx="0">
+              <a:schemeClr val="accent1"/>
+            </a:effectRef>
+            <a:fontRef idx="minor">
+              <a:schemeClr val="tx1"/>
+            </a:fontRef>
+          </p:style>
+        </p:cxnSp>
+        <p:cxnSp>
+          <p:nvCxnSpPr>
+            <p:cNvPr id="29" name="接點: 肘形 28">
+              <a:extLst>
+                <a:ext uri="{FF2B5EF4-FFF2-40B4-BE49-F238E27FC236}">
+                  <a16:creationId xmlns:a16="http://schemas.microsoft.com/office/drawing/2014/main" id="{1A094AA6-01CE-0FD5-507A-DF888990E040}"/>
+                </a:ext>
+              </a:extLst>
+            </p:cNvPr>
+            <p:cNvCxnSpPr>
+              <a:stCxn id="12" idx="2"/>
+              <a:endCxn id="8" idx="3"/>
+            </p:cNvCxnSpPr>
+            <p:nvPr/>
+          </p:nvCxnSpPr>
+          <p:spPr>
+            <a:xfrm rot="5400000" flipH="1" flipV="1">
+              <a:off x="3319075" y="1094153"/>
+              <a:ext cx="3265927" cy="5101259"/>
+            </a:xfrm>
+            <a:prstGeom prst="bentConnector4">
+              <a:avLst>
+                <a:gd name="adj1" fmla="val -7000"/>
+                <a:gd name="adj2" fmla="val 107787"/>
+              </a:avLst>
+            </a:prstGeom>
+            <a:ln w="28575">
+              <a:solidFill>
+                <a:srgbClr val="FF0000"/>
+              </a:solidFill>
+              <a:tailEnd type="triangle"/>
+            </a:ln>
+          </p:spPr>
+          <p:style>
+            <a:lnRef idx="1">
+              <a:schemeClr val="accent1"/>
+            </a:lnRef>
+            <a:fillRef idx="0">
+              <a:schemeClr val="accent1"/>
+            </a:fillRef>
+            <a:effectRef idx="0">
+              <a:schemeClr val="accent1"/>
+            </a:effectRef>
+            <a:fontRef idx="minor">
+              <a:schemeClr val="tx1"/>
+            </a:fontRef>
+          </p:style>
+        </p:cxnSp>
+        <p:sp>
+          <p:nvSpPr>
+            <p:cNvPr id="32" name="文字方塊 31">
+              <a:extLst>
+                <a:ext uri="{FF2B5EF4-FFF2-40B4-BE49-F238E27FC236}">
+                  <a16:creationId xmlns:a16="http://schemas.microsoft.com/office/drawing/2014/main" id="{685FE4B1-5CF8-A794-761E-CF50B5C6FFB3}"/>
+                </a:ext>
+              </a:extLst>
+            </p:cNvPr>
+            <p:cNvSpPr txBox="1"/>
+            <p:nvPr/>
+          </p:nvSpPr>
+          <p:spPr>
+            <a:xfrm>
+              <a:off x="8054121" y="316497"/>
+              <a:ext cx="4137880" cy="1625958"/>
+            </a:xfrm>
+            <a:prstGeom prst="rect">
+              <a:avLst/>
+            </a:prstGeom>
+            <a:noFill/>
+          </p:spPr>
+          <p:txBody>
+            <a:bodyPr wrap="square" rtlCol="0">
+              <a:spAutoFit/>
+            </a:bodyPr>
+            <a:lstStyle/>
+            <a:p>
+              <a:pPr>
+                <a:lnSpc>
+                  <a:spcPct val="105000"/>
+                </a:lnSpc>
+              </a:pPr>
+              <a:r>
+                <a:rPr lang="zh-TW" altLang="en-US" sz="1600" b="1" dirty="0">
                   <a:latin typeface="微軟正黑體" panose="020B0604030504040204" pitchFamily="34" charset="-120"/>
                   <a:ea typeface="微軟正黑體" panose="020B0604030504040204" pitchFamily="34" charset="-120"/>
-                </a:endParaRPr>
-              </a:p>
-              <a:p>
-                <a:pPr marL="285750" indent="-285750">
-                  <a:lnSpc>
-                    <a:spcPct val="105000"/>
-                  </a:lnSpc>
-                  <a:buFont typeface="Arial" panose="020B0604020202020204" pitchFamily="34" charset="0"/>
-                  <a:buChar char="•"/>
-                </a:pPr>
-                <a:r>
-                  <a:rPr lang="zh-TW" altLang="en-US" sz="1400" b="1" dirty="0">
-                    <a:solidFill>
-                      <a:srgbClr val="FF0000"/>
-                    </a:solidFill>
-                    <a:latin typeface="微軟正黑體" panose="020B0604030504040204" pitchFamily="34" charset="-120"/>
-                    <a:ea typeface="微軟正黑體" panose="020B0604030504040204" pitchFamily="34" charset="-120"/>
-                  </a:rPr>
-                  <a:t>小計</a:t>
-                </a:r>
-                <a:r>
-                  <a:rPr lang="zh-TW" altLang="en-US" sz="1400" dirty="0">
-                    <a:latin typeface="微軟正黑體" panose="020B0604030504040204" pitchFamily="34" charset="-120"/>
-                    <a:ea typeface="微軟正黑體" panose="020B0604030504040204" pitchFamily="34" charset="-120"/>
-                  </a:rPr>
-                  <a:t>欄位會吃</a:t>
-                </a:r>
-                <a:r>
-                  <a:rPr lang="zh-TW" altLang="en-US" sz="1400" b="1" dirty="0">
-                    <a:solidFill>
-                      <a:srgbClr val="FF0000"/>
-                    </a:solidFill>
-                    <a:latin typeface="微軟正黑體" panose="020B0604030504040204" pitchFamily="34" charset="-120"/>
-                    <a:ea typeface="微軟正黑體" panose="020B0604030504040204" pitchFamily="34" charset="-120"/>
-                  </a:rPr>
-                  <a:t>說明</a:t>
-                </a:r>
-                <a:r>
-                  <a:rPr lang="zh-TW" altLang="en-US" sz="1400" dirty="0">
-                    <a:latin typeface="微軟正黑體" panose="020B0604030504040204" pitchFamily="34" charset="-120"/>
-                    <a:ea typeface="微軟正黑體" panose="020B0604030504040204" pitchFamily="34" charset="-120"/>
-                  </a:rPr>
-                  <a:t>欄位的內容</a:t>
-                </a:r>
-                <a:br>
-                  <a:rPr lang="en-US" altLang="zh-TW" sz="1400" dirty="0">
-                    <a:latin typeface="微軟正黑體" panose="020B0604030504040204" pitchFamily="34" charset="-120"/>
-                    <a:ea typeface="微軟正黑體" panose="020B0604030504040204" pitchFamily="34" charset="-120"/>
-                  </a:rPr>
-                </a:br>
-                <a:r>
-                  <a:rPr lang="zh-TW" altLang="en-US" sz="1400" dirty="0">
-                    <a:latin typeface="微軟正黑體" panose="020B0604030504040204" pitchFamily="34" charset="-120"/>
-                    <a:ea typeface="微軟正黑體" panose="020B0604030504040204" pitchFamily="34" charset="-120"/>
-                  </a:rPr>
-                  <a:t>如果是數值、計算式，皆可直接求出結果</a:t>
-                </a:r>
-                <a:br>
-                  <a:rPr lang="en-US" altLang="zh-TW" sz="1400" dirty="0">
-                    <a:latin typeface="微軟正黑體" panose="020B0604030504040204" pitchFamily="34" charset="-120"/>
-                    <a:ea typeface="微軟正黑體" panose="020B0604030504040204" pitchFamily="34" charset="-120"/>
-                  </a:rPr>
-                </a:br>
-                <a:r>
-                  <a:rPr lang="zh-TW" altLang="en-US" sz="1400" dirty="0">
-                    <a:latin typeface="微軟正黑體" panose="020B0604030504040204" pitchFamily="34" charset="-120"/>
-                    <a:ea typeface="微軟正黑體" panose="020B0604030504040204" pitchFamily="34" charset="-120"/>
-                  </a:rPr>
-                  <a:t>若為文字，如「每</a:t>
-                </a:r>
-                <a:r>
-                  <a:rPr lang="en-US" altLang="zh-TW" sz="1400" dirty="0">
-                    <a:latin typeface="微軟正黑體" panose="020B0604030504040204" pitchFamily="34" charset="-120"/>
-                    <a:ea typeface="微軟正黑體" panose="020B0604030504040204" pitchFamily="34" charset="-120"/>
-                  </a:rPr>
-                  <a:t>10</a:t>
-                </a:r>
-                <a:r>
-                  <a:rPr lang="zh-TW" altLang="en-US" sz="1400" dirty="0">
-                    <a:latin typeface="微軟正黑體" panose="020B0604030504040204" pitchFamily="34" charset="-120"/>
-                    <a:ea typeface="微軟正黑體" panose="020B0604030504040204" pitchFamily="34" charset="-120"/>
-                  </a:rPr>
-                  <a:t>米一處」，則透過手動小計獲得結果</a:t>
-                </a:r>
-                <a:endParaRPr lang="en-US" altLang="zh-TW" sz="1400" dirty="0">
+                </a:rPr>
+                <a:t>產生結果</a:t>
+              </a:r>
+              <a:endParaRPr lang="en-US" altLang="zh-TW" sz="1600" b="1" dirty="0">
+                <a:latin typeface="微軟正黑體" panose="020B0604030504040204" pitchFamily="34" charset="-120"/>
+                <a:ea typeface="微軟正黑體" panose="020B0604030504040204" pitchFamily="34" charset="-120"/>
+              </a:endParaRPr>
+            </a:p>
+            <a:p>
+              <a:pPr marL="285750" indent="-285750">
+                <a:lnSpc>
+                  <a:spcPct val="105000"/>
+                </a:lnSpc>
+                <a:buFont typeface="Arial" panose="020B0604020202020204" pitchFamily="34" charset="0"/>
+                <a:buChar char="•"/>
+              </a:pPr>
+              <a:r>
+                <a:rPr lang="zh-TW" altLang="en-US" sz="1600" dirty="0">
                   <a:latin typeface="微軟正黑體" panose="020B0604030504040204" pitchFamily="34" charset="-120"/>
                   <a:ea typeface="微軟正黑體" panose="020B0604030504040204" pitchFamily="34" charset="-120"/>
-                </a:endParaRPr>
-              </a:p>
-              <a:p>
-                <a:pPr marL="285750" indent="-285750">
-                  <a:lnSpc>
-                    <a:spcPct val="105000"/>
-                  </a:lnSpc>
-                  <a:buFont typeface="Arial" panose="020B0604020202020204" pitchFamily="34" charset="0"/>
-                  <a:buChar char="•"/>
-                </a:pPr>
-                <a:r>
-                  <a:rPr lang="zh-TW" altLang="en-US" sz="1400" b="1" dirty="0">
-                    <a:solidFill>
-                      <a:srgbClr val="FF0000"/>
-                    </a:solidFill>
-                    <a:latin typeface="微軟正黑體" panose="020B0604030504040204" pitchFamily="34" charset="-120"/>
-                    <a:ea typeface="微軟正黑體" panose="020B0604030504040204" pitchFamily="34" charset="-120"/>
-                  </a:rPr>
-                  <a:t>單位</a:t>
-                </a:r>
-                <a:r>
-                  <a:rPr lang="zh-TW" altLang="en-US" sz="1400" dirty="0">
-                    <a:latin typeface="微軟正黑體" panose="020B0604030504040204" pitchFamily="34" charset="-120"/>
-                    <a:ea typeface="微軟正黑體" panose="020B0604030504040204" pitchFamily="34" charset="-120"/>
-                  </a:rPr>
-                  <a:t>欄位將用於工程數量統計表的單位填入</a:t>
-                </a:r>
-                <a:endParaRPr lang="en-US" altLang="zh-TW" sz="1400" dirty="0">
+                </a:rPr>
+                <a:t>元件與材料的單位根據元件表提供</a:t>
+              </a:r>
+              <a:endParaRPr lang="en-US" altLang="zh-TW" sz="1600" dirty="0">
+                <a:latin typeface="微軟正黑體" panose="020B0604030504040204" pitchFamily="34" charset="-120"/>
+                <a:ea typeface="微軟正黑體" panose="020B0604030504040204" pitchFamily="34" charset="-120"/>
+              </a:endParaRPr>
+            </a:p>
+            <a:p>
+              <a:pPr marL="285750" indent="-285750">
+                <a:lnSpc>
+                  <a:spcPct val="105000"/>
+                </a:lnSpc>
+                <a:buFont typeface="Arial" panose="020B0604020202020204" pitchFamily="34" charset="0"/>
+                <a:buChar char="•"/>
+              </a:pPr>
+              <a:r>
+                <a:rPr lang="zh-TW" altLang="en-US" sz="1600" dirty="0">
                   <a:latin typeface="微軟正黑體" panose="020B0604030504040204" pitchFamily="34" charset="-120"/>
                   <a:ea typeface="微軟正黑體" panose="020B0604030504040204" pitchFamily="34" charset="-120"/>
-                </a:endParaRPr>
-              </a:p>
-              <a:p>
-                <a:pPr marL="285750" indent="-285750">
-                  <a:lnSpc>
-                    <a:spcPct val="105000"/>
-                  </a:lnSpc>
-                  <a:buFont typeface="Arial" panose="020B0604020202020204" pitchFamily="34" charset="0"/>
-                  <a:buChar char="•"/>
-                </a:pPr>
-                <a:endParaRPr lang="en-US" altLang="zh-TW" sz="1400" b="1" dirty="0">
+                </a:rPr>
+                <a:t>此處元件無單位是因為沒有填元件數量</a:t>
+              </a:r>
+              <a:endParaRPr lang="en-US" altLang="zh-TW" sz="1600" dirty="0">
+                <a:latin typeface="微軟正黑體" panose="020B0604030504040204" pitchFamily="34" charset="-120"/>
+                <a:ea typeface="微軟正黑體" panose="020B0604030504040204" pitchFamily="34" charset="-120"/>
+              </a:endParaRPr>
+            </a:p>
+            <a:p>
+              <a:pPr marL="285750" indent="-285750">
+                <a:lnSpc>
+                  <a:spcPct val="105000"/>
+                </a:lnSpc>
+                <a:buFont typeface="Arial" panose="020B0604020202020204" pitchFamily="34" charset="0"/>
+                <a:buChar char="•"/>
+              </a:pPr>
+              <a:r>
+                <a:rPr lang="zh-TW" altLang="en-US" sz="1600" dirty="0">
                   <a:solidFill>
                     <a:srgbClr val="FF0000"/>
                   </a:solidFill>
                   <a:latin typeface="微軟正黑體" panose="020B0604030504040204" pitchFamily="34" charset="-120"/>
                   <a:ea typeface="微軟正黑體" panose="020B0604030504040204" pitchFamily="34" charset="-120"/>
-                </a:endParaRPr>
-              </a:p>
-              <a:p>
-                <a:pPr>
-                  <a:lnSpc>
-                    <a:spcPct val="105000"/>
-                  </a:lnSpc>
-                </a:pPr>
-                <a:r>
-                  <a:rPr lang="zh-TW" altLang="en-US" sz="1600" b="1" dirty="0">
-                    <a:latin typeface="微軟正黑體" panose="020B0604030504040204" pitchFamily="34" charset="-120"/>
-                    <a:ea typeface="微軟正黑體" panose="020B0604030504040204" pitchFamily="34" charset="-120"/>
-                  </a:rPr>
-                  <a:t>原則</a:t>
-                </a:r>
-                <a:endParaRPr lang="en-US" altLang="zh-TW" sz="1600" b="1" dirty="0">
+                </a:rPr>
+                <a:t>元件單位將</a:t>
+              </a:r>
+              <a:r>
+                <a:rPr lang="zh-TW" altLang="en-US" sz="1600" b="1" dirty="0">
+                  <a:solidFill>
+                    <a:srgbClr val="FF0000"/>
+                  </a:solidFill>
                   <a:latin typeface="微軟正黑體" panose="020B0604030504040204" pitchFamily="34" charset="-120"/>
                   <a:ea typeface="微軟正黑體" panose="020B0604030504040204" pitchFamily="34" charset="-120"/>
-                </a:endParaRPr>
-              </a:p>
-              <a:p>
-                <a:pPr marL="285750" indent="-285750">
-                  <a:lnSpc>
-                    <a:spcPct val="105000"/>
-                  </a:lnSpc>
-                  <a:buFont typeface="Arial" panose="020B0604020202020204" pitchFamily="34" charset="0"/>
-                  <a:buChar char="•"/>
-                </a:pPr>
-                <a:r>
-                  <a:rPr lang="zh-TW" altLang="en-US" sz="1400" b="1" dirty="0">
-                    <a:solidFill>
-                      <a:srgbClr val="FF0000"/>
-                    </a:solidFill>
-                    <a:latin typeface="微軟正黑體" panose="020B0604030504040204" pitchFamily="34" charset="-120"/>
-                    <a:ea typeface="微軟正黑體" panose="020B0604030504040204" pitchFamily="34" charset="-120"/>
-                  </a:rPr>
-                  <a:t>工程項次</a:t>
-                </a:r>
-                <a:r>
-                  <a:rPr lang="zh-TW" altLang="en-US" sz="1400" dirty="0">
-                    <a:latin typeface="微軟正黑體" panose="020B0604030504040204" pitchFamily="34" charset="-120"/>
-                    <a:ea typeface="微軟正黑體" panose="020B0604030504040204" pitchFamily="34" charset="-120"/>
-                  </a:rPr>
-                  <a:t>必須為中文，如一、二、三</a:t>
-                </a:r>
-                <a:br>
-                  <a:rPr lang="en-US" altLang="zh-TW" sz="1400" dirty="0">
-                    <a:latin typeface="微軟正黑體" panose="020B0604030504040204" pitchFamily="34" charset="-120"/>
-                    <a:ea typeface="微軟正黑體" panose="020B0604030504040204" pitchFamily="34" charset="-120"/>
-                  </a:rPr>
-                </a:br>
-                <a:r>
-                  <a:rPr lang="zh-TW" altLang="en-US" sz="1400" dirty="0">
-                    <a:latin typeface="微軟正黑體" panose="020B0604030504040204" pitchFamily="34" charset="-120"/>
-                    <a:ea typeface="微軟正黑體" panose="020B0604030504040204" pitchFamily="34" charset="-120"/>
-                  </a:rPr>
-                  <a:t>用來分析指定工程使用的元件與材料</a:t>
-                </a:r>
-                <a:endParaRPr lang="en-US" altLang="zh-TW" sz="1400" dirty="0">
+                </a:rPr>
+                <a:t>預設內容</a:t>
+              </a:r>
+              <a:r>
+                <a:rPr lang="zh-TW" altLang="en-US" sz="1600" dirty="0">
+                  <a:solidFill>
+                    <a:srgbClr val="FF0000"/>
+                  </a:solidFill>
                   <a:latin typeface="微軟正黑體" panose="020B0604030504040204" pitchFamily="34" charset="-120"/>
                   <a:ea typeface="微軟正黑體" panose="020B0604030504040204" pitchFamily="34" charset="-120"/>
-                </a:endParaRPr>
-              </a:p>
-              <a:p>
-                <a:pPr marL="285750" indent="-285750">
-                  <a:lnSpc>
-                    <a:spcPct val="105000"/>
-                  </a:lnSpc>
-                  <a:buFont typeface="Arial" panose="020B0604020202020204" pitchFamily="34" charset="0"/>
-                  <a:buChar char="•"/>
-                </a:pPr>
-                <a:r>
-                  <a:rPr lang="zh-TW" altLang="en-US" sz="1400" b="1" dirty="0">
-                    <a:solidFill>
-                      <a:srgbClr val="FF0000"/>
-                    </a:solidFill>
-                    <a:latin typeface="微軟正黑體" panose="020B0604030504040204" pitchFamily="34" charset="-120"/>
-                    <a:ea typeface="微軟正黑體" panose="020B0604030504040204" pitchFamily="34" charset="-120"/>
-                  </a:rPr>
-                  <a:t>元件需填入底色</a:t>
-                </a:r>
-                <a:r>
-                  <a:rPr lang="zh-TW" altLang="en-US" sz="1400" dirty="0">
-                    <a:latin typeface="微軟正黑體" panose="020B0604030504040204" pitchFamily="34" charset="-120"/>
-                    <a:ea typeface="微軟正黑體" panose="020B0604030504040204" pitchFamily="34" charset="-120"/>
-                  </a:rPr>
-                  <a:t>，與材料做區分</a:t>
-                </a:r>
-                <a:endParaRPr lang="en-US" altLang="zh-TW" sz="1400" dirty="0">
+                </a:rPr>
+                <a:t>為整數</a:t>
+              </a:r>
+              <a:r>
+                <a:rPr lang="zh-TW" altLang="en-US" sz="1600" dirty="0">
                   <a:latin typeface="微軟正黑體" panose="020B0604030504040204" pitchFamily="34" charset="-120"/>
                   <a:ea typeface="微軟正黑體" panose="020B0604030504040204" pitchFamily="34" charset="-120"/>
-                </a:endParaRPr>
-              </a:p>
-              <a:p>
-                <a:pPr marL="285750" indent="-285750">
-                  <a:lnSpc>
-                    <a:spcPct val="105000"/>
-                  </a:lnSpc>
-                  <a:buFont typeface="Arial" panose="020B0604020202020204" pitchFamily="34" charset="0"/>
-                  <a:buChar char="•"/>
-                </a:pPr>
-                <a:r>
-                  <a:rPr lang="zh-TW" altLang="en-US" sz="1400" dirty="0">
-                    <a:latin typeface="微軟正黑體" panose="020B0604030504040204" pitchFamily="34" charset="-120"/>
-                    <a:ea typeface="微軟正黑體" panose="020B0604030504040204" pitchFamily="34" charset="-120"/>
-                  </a:rPr>
-                  <a:t>元件與</a:t>
-                </a:r>
-                <a:r>
-                  <a:rPr lang="zh-TW" altLang="en-US" sz="1400" b="1" dirty="0">
-                    <a:solidFill>
-                      <a:srgbClr val="FF0000"/>
-                    </a:solidFill>
-                    <a:latin typeface="微軟正黑體" panose="020B0604030504040204" pitchFamily="34" charset="-120"/>
-                    <a:ea typeface="微軟正黑體" panose="020B0604030504040204" pitchFamily="34" charset="-120"/>
-                  </a:rPr>
-                  <a:t>元件之間以空白列</a:t>
-                </a:r>
-                <a:r>
-                  <a:rPr lang="zh-TW" altLang="en-US" sz="1400" dirty="0">
-                    <a:latin typeface="微軟正黑體" panose="020B0604030504040204" pitchFamily="34" charset="-120"/>
-                    <a:ea typeface="微軟正黑體" panose="020B0604030504040204" pitchFamily="34" charset="-120"/>
-                  </a:rPr>
-                  <a:t>隔開</a:t>
-                </a:r>
-              </a:p>
-            </p:txBody>
-          </p:sp>
-          <p:sp>
-            <p:nvSpPr>
-              <p:cNvPr id="12" name="文字方塊 11">
+                </a:rPr>
+                <a:t>，例如基樁長度</a:t>
+              </a:r>
+              <a:r>
+                <a:rPr lang="en-US" altLang="zh-TW" sz="1600" dirty="0">
+                  <a:latin typeface="微軟正黑體" panose="020B0604030504040204" pitchFamily="34" charset="-120"/>
+                  <a:ea typeface="微軟正黑體" panose="020B0604030504040204" pitchFamily="34" charset="-120"/>
+                </a:rPr>
+                <a:t>4.0m</a:t>
+              </a:r>
+              <a:r>
+                <a:rPr lang="zh-TW" altLang="en-US" sz="1600" dirty="0">
+                  <a:latin typeface="微軟正黑體" panose="020B0604030504040204" pitchFamily="34" charset="-120"/>
+                  <a:ea typeface="微軟正黑體" panose="020B0604030504040204" pitchFamily="34" charset="-120"/>
+                </a:rPr>
+                <a:t>執行</a:t>
+              </a:r>
+              <a:r>
+                <a:rPr lang="en-US" altLang="zh-TW" sz="1600" dirty="0">
+                  <a:latin typeface="微軟正黑體" panose="020B0604030504040204" pitchFamily="34" charset="-120"/>
+                  <a:ea typeface="微軟正黑體" panose="020B0604030504040204" pitchFamily="34" charset="-120"/>
+                </a:rPr>
+                <a:t>VBA</a:t>
+              </a:r>
+              <a:r>
+                <a:rPr lang="zh-TW" altLang="en-US" sz="1600" dirty="0">
+                  <a:latin typeface="微軟正黑體" panose="020B0604030504040204" pitchFamily="34" charset="-120"/>
+                  <a:ea typeface="微軟正黑體" panose="020B0604030504040204" pitchFamily="34" charset="-120"/>
+                </a:rPr>
+                <a:t>後會變</a:t>
+              </a:r>
+              <a:r>
+                <a:rPr lang="en-US" altLang="zh-TW" sz="1600" dirty="0">
+                  <a:latin typeface="微軟正黑體" panose="020B0604030504040204" pitchFamily="34" charset="-120"/>
+                  <a:ea typeface="微軟正黑體" panose="020B0604030504040204" pitchFamily="34" charset="-120"/>
+                </a:rPr>
+                <a:t>4m</a:t>
+              </a:r>
+              <a:r>
+                <a:rPr lang="zh-TW" altLang="en-US" sz="1600" dirty="0">
+                  <a:latin typeface="微軟正黑體" panose="020B0604030504040204" pitchFamily="34" charset="-120"/>
+                  <a:ea typeface="微軟正黑體" panose="020B0604030504040204" pitchFamily="34" charset="-120"/>
+                </a:rPr>
+                <a:t>，再自行將格式修改為小數點</a:t>
+              </a:r>
+              <a:endParaRPr lang="en-US" altLang="zh-TW" sz="1600" dirty="0">
+                <a:latin typeface="微軟正黑體" panose="020B0604030504040204" pitchFamily="34" charset="-120"/>
+                <a:ea typeface="微軟正黑體" panose="020B0604030504040204" pitchFamily="34" charset="-120"/>
+              </a:endParaRPr>
+            </a:p>
+          </p:txBody>
+        </p:sp>
+        <p:grpSp>
+          <p:nvGrpSpPr>
+            <p:cNvPr id="36" name="群組 35">
+              <a:extLst>
+                <a:ext uri="{FF2B5EF4-FFF2-40B4-BE49-F238E27FC236}">
+                  <a16:creationId xmlns:a16="http://schemas.microsoft.com/office/drawing/2014/main" id="{5745B08D-5DBD-1280-B3D4-D645E78C51A2}"/>
+                </a:ext>
+              </a:extLst>
+            </p:cNvPr>
+            <p:cNvGrpSpPr/>
+            <p:nvPr/>
+          </p:nvGrpSpPr>
+          <p:grpSpPr>
+            <a:xfrm>
+              <a:off x="10611186" y="1622338"/>
+              <a:ext cx="1438476" cy="638265"/>
+              <a:chOff x="9403823" y="2219406"/>
+              <a:chExt cx="1438476" cy="638265"/>
+            </a:xfrm>
+          </p:grpSpPr>
+          <p:pic>
+            <p:nvPicPr>
+              <p:cNvPr id="34" name="圖片 33">
                 <a:extLst>
                   <a:ext uri="{FF2B5EF4-FFF2-40B4-BE49-F238E27FC236}">
-                    <a16:creationId xmlns:a16="http://schemas.microsoft.com/office/drawing/2014/main" id="{A658A222-6B52-C144-C1D0-9D306814B2CB}"/>
+                    <a16:creationId xmlns:a16="http://schemas.microsoft.com/office/drawing/2014/main" id="{C39DEE18-78CD-E456-A89E-62FF4717068C}"/>
                   </a:ext>
                 </a:extLst>
               </p:cNvPr>
-              <p:cNvSpPr txBox="1"/>
+              <p:cNvPicPr>
+                <a:picLocks noChangeAspect="1"/>
+              </p:cNvPicPr>
+              <p:nvPr/>
+            </p:nvPicPr>
+            <p:blipFill>
+              <a:blip r:embed="rId4"/>
+              <a:stretch>
+                <a:fillRect/>
+              </a:stretch>
+            </p:blipFill>
+            <p:spPr>
+              <a:xfrm>
+                <a:off x="9403823" y="2219406"/>
+                <a:ext cx="1438476" cy="638264"/>
+              </a:xfrm>
+              <a:prstGeom prst="rect">
+                <a:avLst/>
+              </a:prstGeom>
+            </p:spPr>
+          </p:pic>
+          <p:sp>
+            <p:nvSpPr>
+              <p:cNvPr id="35" name="矩形 34">
+                <a:extLst>
+                  <a:ext uri="{FF2B5EF4-FFF2-40B4-BE49-F238E27FC236}">
+                    <a16:creationId xmlns:a16="http://schemas.microsoft.com/office/drawing/2014/main" id="{F9587C01-CB81-230F-C8FE-A2E4DA2110EC}"/>
+                  </a:ext>
+                </a:extLst>
+              </p:cNvPr>
+              <p:cNvSpPr/>
               <p:nvPr/>
             </p:nvSpPr>
             <p:spPr>
               <a:xfrm>
-                <a:off x="7230385" y="5340627"/>
-                <a:ext cx="4961615" cy="1466555"/>
+                <a:off x="10338197" y="2538539"/>
+                <a:ext cx="261741" cy="319132"/>
               </a:xfrm>
               <a:prstGeom prst="rect">
                 <a:avLst/>
               </a:prstGeom>
               <a:noFill/>
+              <a:ln w="38100">
+                <a:solidFill>
+                  <a:srgbClr val="FF0000"/>
+                </a:solidFill>
+              </a:ln>
             </p:spPr>
+            <p:style>
+              <a:lnRef idx="2">
+                <a:schemeClr val="accent1">
+                  <a:shade val="50000"/>
+                </a:schemeClr>
+              </a:lnRef>
+              <a:fillRef idx="1">
+                <a:schemeClr val="accent1"/>
+              </a:fillRef>
+              <a:effectRef idx="0">
+                <a:schemeClr val="accent1"/>
+              </a:effectRef>
+              <a:fontRef idx="minor">
+                <a:schemeClr val="lt1"/>
+              </a:fontRef>
+            </p:style>
             <p:txBody>
-              <a:bodyPr wrap="none" rtlCol="0">
-                <a:spAutoFit/>
-              </a:bodyPr>
+              <a:bodyPr rtlCol="0" anchor="ctr"/>
               <a:lstStyle/>
               <a:p>
-                <a:pPr>
-                  <a:lnSpc>
-                    <a:spcPct val="105000"/>
-                  </a:lnSpc>
-                </a:pPr>
-                <a:r>
-                  <a:rPr lang="zh-TW" altLang="en-US" sz="1600" b="1" dirty="0">
-                    <a:latin typeface="微軟正黑體" panose="020B0604030504040204" pitchFamily="34" charset="-120"/>
-                    <a:ea typeface="微軟正黑體" panose="020B0604030504040204" pitchFamily="34" charset="-120"/>
-                  </a:rPr>
-                  <a:t>使用</a:t>
-                </a:r>
-                <a:endParaRPr lang="en-US" altLang="zh-TW" sz="1600" b="1" dirty="0">
-                  <a:latin typeface="微軟正黑體" panose="020B0604030504040204" pitchFamily="34" charset="-120"/>
-                  <a:ea typeface="微軟正黑體" panose="020B0604030504040204" pitchFamily="34" charset="-120"/>
-                </a:endParaRPr>
-              </a:p>
-              <a:p>
-                <a:pPr marL="285750" indent="-285750">
-                  <a:lnSpc>
-                    <a:spcPct val="105000"/>
-                  </a:lnSpc>
-                  <a:buFont typeface="Arial" panose="020B0604020202020204" pitchFamily="34" charset="0"/>
-                  <a:buChar char="•"/>
-                </a:pPr>
-                <a:r>
-                  <a:rPr lang="zh-TW" altLang="en-US" sz="1400" b="1" dirty="0">
-                    <a:solidFill>
-                      <a:srgbClr val="FF0000"/>
-                    </a:solidFill>
-                    <a:latin typeface="微軟正黑體" panose="020B0604030504040204" pitchFamily="34" charset="-120"/>
-                    <a:ea typeface="微軟正黑體" panose="020B0604030504040204" pitchFamily="34" charset="-120"/>
-                  </a:rPr>
-                  <a:t>工程編號</a:t>
-                </a:r>
-                <a:r>
-                  <a:rPr lang="zh-TW" altLang="en-US" sz="1400" dirty="0">
-                    <a:latin typeface="微軟正黑體" panose="020B0604030504040204" pitchFamily="34" charset="-120"/>
-                    <a:ea typeface="微軟正黑體" panose="020B0604030504040204" pitchFamily="34" charset="-120"/>
-                  </a:rPr>
-                  <a:t>為阿拉伯數字</a:t>
-                </a:r>
-                <a:br>
-                  <a:rPr lang="en-US" altLang="zh-TW" sz="1400" dirty="0">
-                    <a:latin typeface="微軟正黑體" panose="020B0604030504040204" pitchFamily="34" charset="-120"/>
-                    <a:ea typeface="微軟正黑體" panose="020B0604030504040204" pitchFamily="34" charset="-120"/>
-                  </a:rPr>
-                </a:br>
-                <a:r>
-                  <a:rPr lang="zh-TW" altLang="en-US" sz="1400" dirty="0">
-                    <a:latin typeface="微軟正黑體" panose="020B0604030504040204" pitchFamily="34" charset="-120"/>
-                    <a:ea typeface="微軟正黑體" panose="020B0604030504040204" pitchFamily="34" charset="-120"/>
-                  </a:rPr>
-                  <a:t>例如要處理橋梁工程，橋梁工程項次為</a:t>
-                </a:r>
-                <a:r>
-                  <a:rPr lang="en-US" altLang="zh-TW" sz="1400" dirty="0">
-                    <a:latin typeface="微軟正黑體" panose="020B0604030504040204" pitchFamily="34" charset="-120"/>
-                    <a:ea typeface="微軟正黑體" panose="020B0604030504040204" pitchFamily="34" charset="-120"/>
-                  </a:rPr>
-                  <a:t>【</a:t>
-                </a:r>
-                <a:r>
-                  <a:rPr lang="zh-TW" altLang="en-US" sz="1400" dirty="0">
-                    <a:latin typeface="微軟正黑體" panose="020B0604030504040204" pitchFamily="34" charset="-120"/>
-                    <a:ea typeface="微軟正黑體" panose="020B0604030504040204" pitchFamily="34" charset="-120"/>
-                  </a:rPr>
-                  <a:t>一</a:t>
-                </a:r>
-                <a:r>
-                  <a:rPr lang="en-US" altLang="zh-TW" sz="1400" dirty="0">
-                    <a:latin typeface="微軟正黑體" panose="020B0604030504040204" pitchFamily="34" charset="-120"/>
-                    <a:ea typeface="微軟正黑體" panose="020B0604030504040204" pitchFamily="34" charset="-120"/>
-                  </a:rPr>
-                  <a:t>】</a:t>
-                </a:r>
-                <a:r>
-                  <a:rPr lang="zh-TW" altLang="en-US" sz="1400" dirty="0">
-                    <a:latin typeface="微軟正黑體" panose="020B0604030504040204" pitchFamily="34" charset="-120"/>
-                    <a:ea typeface="微軟正黑體" panose="020B0604030504040204" pitchFamily="34" charset="-120"/>
-                  </a:rPr>
-                  <a:t>，故填 </a:t>
-                </a:r>
-                <a:r>
-                  <a:rPr lang="en-US" altLang="zh-TW" sz="1400" b="1" u="sng" dirty="0">
-                    <a:latin typeface="微軟正黑體" panose="020B0604030504040204" pitchFamily="34" charset="-120"/>
-                    <a:ea typeface="微軟正黑體" panose="020B0604030504040204" pitchFamily="34" charset="-120"/>
-                  </a:rPr>
-                  <a:t>1</a:t>
-                </a:r>
-              </a:p>
-              <a:p>
-                <a:pPr marL="285750" indent="-285750">
-                  <a:lnSpc>
-                    <a:spcPct val="105000"/>
-                  </a:lnSpc>
-                  <a:buFont typeface="Arial" panose="020B0604020202020204" pitchFamily="34" charset="0"/>
-                  <a:buChar char="•"/>
-                </a:pPr>
-                <a:r>
-                  <a:rPr lang="zh-TW" altLang="en-US" sz="1400" b="1" dirty="0">
-                    <a:solidFill>
-                      <a:srgbClr val="FF0000"/>
-                    </a:solidFill>
-                    <a:latin typeface="微軟正黑體" panose="020B0604030504040204" pitchFamily="34" charset="-120"/>
-                    <a:ea typeface="微軟正黑體" panose="020B0604030504040204" pitchFamily="34" charset="-120"/>
-                  </a:rPr>
-                  <a:t>目標工程數量統計表中的元件、材料需與工程項次一致</a:t>
-                </a:r>
-                <a:br>
-                  <a:rPr lang="en-US" altLang="zh-TW" sz="1400" b="1" dirty="0">
-                    <a:solidFill>
-                      <a:srgbClr val="FF0000"/>
-                    </a:solidFill>
-                    <a:latin typeface="微軟正黑體" panose="020B0604030504040204" pitchFamily="34" charset="-120"/>
-                    <a:ea typeface="微軟正黑體" panose="020B0604030504040204" pitchFamily="34" charset="-120"/>
-                  </a:rPr>
-                </a:br>
-                <a:r>
-                  <a:rPr lang="zh-TW" altLang="en-US" sz="1400" dirty="0">
-                    <a:latin typeface="微軟正黑體" panose="020B0604030504040204" pitchFamily="34" charset="-120"/>
-                    <a:ea typeface="微軟正黑體" panose="020B0604030504040204" pitchFamily="34" charset="-120"/>
-                  </a:rPr>
-                  <a:t>例如橋梁工程統計表的元件、材料，都必須屬於橋梁工程</a:t>
-                </a:r>
-                <a:endParaRPr lang="en-US" altLang="zh-TW" sz="1400" dirty="0">
-                  <a:latin typeface="微軟正黑體" panose="020B0604030504040204" pitchFamily="34" charset="-120"/>
-                  <a:ea typeface="微軟正黑體" panose="020B0604030504040204" pitchFamily="34" charset="-120"/>
-                </a:endParaRPr>
-              </a:p>
-              <a:p>
-                <a:pPr>
-                  <a:lnSpc>
-                    <a:spcPct val="105000"/>
-                  </a:lnSpc>
-                </a:pPr>
-                <a:endParaRPr lang="zh-TW" altLang="en-US" sz="1400" dirty="0">
-                  <a:latin typeface="微軟正黑體" panose="020B0604030504040204" pitchFamily="34" charset="-120"/>
-                  <a:ea typeface="微軟正黑體" panose="020B0604030504040204" pitchFamily="34" charset="-120"/>
-                </a:endParaRPr>
+                <a:pPr algn="ctr"/>
+                <a:endParaRPr lang="zh-TW" altLang="en-US"/>
               </a:p>
             </p:txBody>
           </p:sp>
         </p:grpSp>
-        <p:pic>
-          <p:nvPicPr>
-            <p:cNvPr id="11" name="圖片 10">
-              <a:extLst>
-                <a:ext uri="{FF2B5EF4-FFF2-40B4-BE49-F238E27FC236}">
-                  <a16:creationId xmlns:a16="http://schemas.microsoft.com/office/drawing/2014/main" id="{2C1538A4-960D-20C2-4C8F-852C125C0279}"/>
-                </a:ext>
-              </a:extLst>
-            </p:cNvPr>
-            <p:cNvPicPr>
-              <a:picLocks noChangeAspect="1"/>
-            </p:cNvPicPr>
-            <p:nvPr/>
-          </p:nvPicPr>
-          <p:blipFill>
-            <a:blip r:embed="rId3"/>
-            <a:stretch>
-              <a:fillRect/>
-            </a:stretch>
-          </p:blipFill>
-          <p:spPr>
-            <a:xfrm>
-              <a:off x="-1" y="5340627"/>
-              <a:ext cx="7075579" cy="1517373"/>
-            </a:xfrm>
-            <a:prstGeom prst="rect">
-              <a:avLst/>
-            </a:prstGeom>
-            <a:solidFill>
-              <a:srgbClr val="FFFFFF">
-                <a:shade val="85000"/>
-              </a:srgbClr>
-            </a:solidFill>
-            <a:ln w="9525" cap="sq">
-              <a:solidFill>
-                <a:schemeClr val="tx1"/>
-              </a:solidFill>
-              <a:miter lim="800000"/>
-            </a:ln>
-            <a:effectLst>
-              <a:outerShdw blurRad="55000" dist="18000" dir="5400000" algn="tl" rotWithShape="0">
-                <a:srgbClr val="000000">
-                  <a:alpha val="40000"/>
-                </a:srgbClr>
-              </a:outerShdw>
-            </a:effectLst>
-            <a:scene3d>
-              <a:camera prst="orthographicFront"/>
-              <a:lightRig rig="twoPt" dir="t">
-                <a:rot lat="0" lon="0" rev="7200000"/>
-              </a:lightRig>
-            </a:scene3d>
-            <a:sp3d>
-              <a:bevelT w="25400" h="19050"/>
-              <a:contourClr>
-                <a:srgbClr val="FFFFFF"/>
-              </a:contourClr>
-            </a:sp3d>
-          </p:spPr>
-        </p:pic>
       </p:grpSp>
     </p:spTree>
     <p:extLst>
       <p:ext uri="{BB962C8B-B14F-4D97-AF65-F5344CB8AC3E}">
-        <p14:creationId xmlns:p14="http://schemas.microsoft.com/office/powerpoint/2010/main" val="1889679859"/>
-      </p:ext>
-    </p:extLst>
-  </p:cSld>
-  <p:clrMapOvr>
-    <a:masterClrMapping/>
-  </p:clrMapOvr>
-</p:sld>
-</file>
-
-<file path=ppt/slides/slide2.xml><?xml version="1.0" encoding="utf-8"?>
-<p:sld xmlns:a="http://schemas.openxmlformats.org/drawingml/2006/main" xmlns:r="http://schemas.openxmlformats.org/officeDocument/2006/relationships" xmlns:p="http://schemas.openxmlformats.org/presentationml/2006/main">
-  <p:cSld>
-    <p:spTree>
-      <p:nvGrpSpPr>
-        <p:cNvPr id="1" name=""/>
-        <p:cNvGrpSpPr/>
-        <p:nvPr/>
-      </p:nvGrpSpPr>
-      <p:grpSpPr>
-        <a:xfrm>
-          <a:off x="0" y="0"/>
-          <a:ext cx="0" cy="0"/>
-          <a:chOff x="0" y="0"/>
-          <a:chExt cx="0" cy="0"/>
-        </a:xfrm>
-      </p:grpSpPr>
-    </p:spTree>
-    <p:extLst>
-      <p:ext uri="{BB962C8B-B14F-4D97-AF65-F5344CB8AC3E}">
-        <p14:creationId xmlns:p14="http://schemas.microsoft.com/office/powerpoint/2010/main" val="416795345"/>
+        <p14:creationId xmlns:p14="http://schemas.microsoft.com/office/powerpoint/2010/main" val="974177175"/>
       </p:ext>
     </p:extLst>
   </p:cSld>
